--- a/php_ytp專題報告.pptx
+++ b/php_ytp專題報告.pptx
@@ -5,32 +5,33 @@
     <p:sldMasterId id="2147483648" r:id="rId4"/>
   </p:sldMasterIdLst>
   <p:notesMasterIdLst>
-    <p:notesMasterId r:id="rId20"/>
+    <p:notesMasterId r:id="rId21"/>
   </p:notesMasterIdLst>
   <p:handoutMasterIdLst>
-    <p:handoutMasterId r:id="rId21"/>
+    <p:handoutMasterId r:id="rId22"/>
   </p:handoutMasterIdLst>
   <p:sldIdLst>
     <p:sldId id="369" r:id="rId5"/>
     <p:sldId id="359" r:id="rId6"/>
     <p:sldId id="350" r:id="rId7"/>
     <p:sldId id="377" r:id="rId8"/>
-    <p:sldId id="374" r:id="rId9"/>
-    <p:sldId id="378" r:id="rId10"/>
-    <p:sldId id="375" r:id="rId11"/>
-    <p:sldId id="379" r:id="rId12"/>
-    <p:sldId id="355" r:id="rId13"/>
-    <p:sldId id="353" r:id="rId14"/>
+    <p:sldId id="353" r:id="rId9"/>
+    <p:sldId id="355" r:id="rId10"/>
+    <p:sldId id="374" r:id="rId11"/>
+    <p:sldId id="378" r:id="rId12"/>
+    <p:sldId id="375" r:id="rId13"/>
+    <p:sldId id="379" r:id="rId14"/>
     <p:sldId id="370" r:id="rId15"/>
     <p:sldId id="376" r:id="rId16"/>
     <p:sldId id="372" r:id="rId17"/>
     <p:sldId id="373" r:id="rId18"/>
-    <p:sldId id="321" r:id="rId19"/>
+    <p:sldId id="380" r:id="rId19"/>
+    <p:sldId id="321" r:id="rId20"/>
   </p:sldIdLst>
   <p:sldSz cx="12188825" cy="6858000"/>
   <p:notesSz cx="6770688" cy="10018713"/>
   <p:custDataLst>
-    <p:tags r:id="rId22"/>
+    <p:tags r:id="rId23"/>
   </p:custDataLst>
   <p:defaultTextStyle>
     <a:defPPr>
@@ -758,7 +759,13 @@
   <p:cSld>
     <p:spTree>
       <p:nvGrpSpPr>
-        <p:cNvPr id="1" name=""/>
+        <p:cNvPr id="1" name="">
+          <a:extLst>
+            <a:ext uri="{FF2B5EF4-FFF2-40B4-BE49-F238E27FC236}">
+              <a16:creationId xmlns:a16="http://schemas.microsoft.com/office/drawing/2014/main" id="{43BA0287-8206-0E27-18E2-203A9454E7B7}"/>
+            </a:ext>
+          </a:extLst>
+        </p:cNvPr>
         <p:cNvGrpSpPr/>
         <p:nvPr/>
       </p:nvGrpSpPr>
@@ -772,7 +779,13 @@
       </p:grpSpPr>
       <p:sp>
         <p:nvSpPr>
-          <p:cNvPr id="2" name="Slide Image Placeholder 1"/>
+          <p:cNvPr id="2" name="Slide Image Placeholder 1">
+            <a:extLst>
+              <a:ext uri="{FF2B5EF4-FFF2-40B4-BE49-F238E27FC236}">
+                <a16:creationId xmlns:a16="http://schemas.microsoft.com/office/drawing/2014/main" id="{3841F732-2B7E-69FC-C2E7-D83D28F2E557}"/>
+              </a:ext>
+            </a:extLst>
+          </p:cNvPr>
           <p:cNvSpPr>
             <a:spLocks noGrp="1" noRot="1" noChangeAspect="1"/>
           </p:cNvSpPr>
@@ -784,7 +797,13 @@
       </p:sp>
       <p:sp>
         <p:nvSpPr>
-          <p:cNvPr id="3" name="Notes Placeholder 2"/>
+          <p:cNvPr id="3" name="Notes Placeholder 2">
+            <a:extLst>
+              <a:ext uri="{FF2B5EF4-FFF2-40B4-BE49-F238E27FC236}">
+                <a16:creationId xmlns:a16="http://schemas.microsoft.com/office/drawing/2014/main" id="{9D9C241D-6046-3DC8-10F2-2BAA26CD4A85}"/>
+              </a:ext>
+            </a:extLst>
+          </p:cNvPr>
           <p:cNvSpPr>
             <a:spLocks noGrp="1"/>
           </p:cNvSpPr>
@@ -797,13 +816,19 @@
           <a:bodyPr/>
           <a:lstStyle/>
           <a:p>
-            <a:endParaRPr lang="en-US" dirty="0"/>
-          </a:p>
-        </p:txBody>
-      </p:sp>
-      <p:sp>
-        <p:nvSpPr>
-          <p:cNvPr id="4" name="Slide Number Placeholder 3"/>
+            <a:endParaRPr lang="en-TW"/>
+          </a:p>
+        </p:txBody>
+      </p:sp>
+      <p:sp>
+        <p:nvSpPr>
+          <p:cNvPr id="4" name="Slide Number Placeholder 3">
+            <a:extLst>
+              <a:ext uri="{FF2B5EF4-FFF2-40B4-BE49-F238E27FC236}">
+                <a16:creationId xmlns:a16="http://schemas.microsoft.com/office/drawing/2014/main" id="{52159643-69A1-E81C-557F-C4982861110E}"/>
+              </a:ext>
+            </a:extLst>
+          </p:cNvPr>
           <p:cNvSpPr>
             <a:spLocks noGrp="1"/>
           </p:cNvSpPr>
@@ -816,18 +841,18 @@
           <a:bodyPr/>
           <a:lstStyle/>
           <a:p>
-            <a:fld id="{C2CC3B14-4FF2-40FD-B226-7C31B7F799E3}" type="slidenum">
-              <a:rPr lang="zh-TW" altLang="en-US" smtClean="0"/>
+            <a:fld id="{F93199CD-3E1B-4AE6-990F-76F925F5EA9F}" type="slidenum">
+              <a:rPr lang="en-TW" smtClean="0"/>
               <a:t>10</a:t>
             </a:fld>
-            <a:endParaRPr lang="zh-TW" altLang="en-US"/>
+            <a:endParaRPr lang="en-TW"/>
           </a:p>
         </p:txBody>
       </p:sp>
     </p:spTree>
     <p:extLst>
       <p:ext uri="{BB962C8B-B14F-4D97-AF65-F5344CB8AC3E}">
-        <p14:creationId xmlns:p14="http://schemas.microsoft.com/office/powerpoint/2010/main" val="727712621"/>
+        <p14:creationId xmlns:p14="http://schemas.microsoft.com/office/powerpoint/2010/main" val="785904672"/>
       </p:ext>
     </p:extLst>
   </p:cSld>
@@ -1274,6 +1299,114 @@
   <p:cSld>
     <p:spTree>
       <p:nvGrpSpPr>
+        <p:cNvPr id="1" name="">
+          <a:extLst>
+            <a:ext uri="{FF2B5EF4-FFF2-40B4-BE49-F238E27FC236}">
+              <a16:creationId xmlns:a16="http://schemas.microsoft.com/office/drawing/2014/main" id="{A4D55A5C-47FD-467D-417E-BC6144F7BCFB}"/>
+            </a:ext>
+          </a:extLst>
+        </p:cNvPr>
+        <p:cNvGrpSpPr/>
+        <p:nvPr/>
+      </p:nvGrpSpPr>
+      <p:grpSpPr>
+        <a:xfrm>
+          <a:off x="0" y="0"/>
+          <a:ext cx="0" cy="0"/>
+          <a:chOff x="0" y="0"/>
+          <a:chExt cx="0" cy="0"/>
+        </a:xfrm>
+      </p:grpSpPr>
+      <p:sp>
+        <p:nvSpPr>
+          <p:cNvPr id="2" name="Slide Image Placeholder 1">
+            <a:extLst>
+              <a:ext uri="{FF2B5EF4-FFF2-40B4-BE49-F238E27FC236}">
+                <a16:creationId xmlns:a16="http://schemas.microsoft.com/office/drawing/2014/main" id="{94330343-79AF-B2FD-1ACE-01053D1DCD72}"/>
+              </a:ext>
+            </a:extLst>
+          </p:cNvPr>
+          <p:cNvSpPr>
+            <a:spLocks noGrp="1" noRot="1" noChangeAspect="1"/>
+          </p:cNvSpPr>
+          <p:nvPr>
+            <p:ph type="sldImg"/>
+          </p:nvPr>
+        </p:nvSpPr>
+        <p:spPr/>
+      </p:sp>
+      <p:sp>
+        <p:nvSpPr>
+          <p:cNvPr id="3" name="Notes Placeholder 2">
+            <a:extLst>
+              <a:ext uri="{FF2B5EF4-FFF2-40B4-BE49-F238E27FC236}">
+                <a16:creationId xmlns:a16="http://schemas.microsoft.com/office/drawing/2014/main" id="{856C6AB7-EB2A-394F-3D5A-53FBD4D743F5}"/>
+              </a:ext>
+            </a:extLst>
+          </p:cNvPr>
+          <p:cNvSpPr>
+            <a:spLocks noGrp="1"/>
+          </p:cNvSpPr>
+          <p:nvPr>
+            <p:ph type="body" idx="1"/>
+          </p:nvPr>
+        </p:nvSpPr>
+        <p:spPr/>
+        <p:txBody>
+          <a:bodyPr/>
+          <a:lstStyle/>
+          <a:p>
+            <a:endParaRPr lang="en-TW"/>
+          </a:p>
+        </p:txBody>
+      </p:sp>
+      <p:sp>
+        <p:nvSpPr>
+          <p:cNvPr id="4" name="Slide Number Placeholder 3">
+            <a:extLst>
+              <a:ext uri="{FF2B5EF4-FFF2-40B4-BE49-F238E27FC236}">
+                <a16:creationId xmlns:a16="http://schemas.microsoft.com/office/drawing/2014/main" id="{547CFD5C-5282-938C-A549-B22EA563D554}"/>
+              </a:ext>
+            </a:extLst>
+          </p:cNvPr>
+          <p:cNvSpPr>
+            <a:spLocks noGrp="1"/>
+          </p:cNvSpPr>
+          <p:nvPr>
+            <p:ph type="sldNum" sz="quarter" idx="5"/>
+          </p:nvPr>
+        </p:nvSpPr>
+        <p:spPr/>
+        <p:txBody>
+          <a:bodyPr/>
+          <a:lstStyle/>
+          <a:p>
+            <a:fld id="{F93199CD-3E1B-4AE6-990F-76F925F5EA9F}" type="slidenum">
+              <a:rPr lang="en-TW" smtClean="0"/>
+              <a:t>15</a:t>
+            </a:fld>
+            <a:endParaRPr lang="en-TW"/>
+          </a:p>
+        </p:txBody>
+      </p:sp>
+    </p:spTree>
+    <p:extLst>
+      <p:ext uri="{BB962C8B-B14F-4D97-AF65-F5344CB8AC3E}">
+        <p14:creationId xmlns:p14="http://schemas.microsoft.com/office/powerpoint/2010/main" val="2914126293"/>
+      </p:ext>
+    </p:extLst>
+  </p:cSld>
+  <p:clrMapOvr>
+    <a:masterClrMapping/>
+  </p:clrMapOvr>
+</p:notes>
+</file>
+
+<file path=ppt/notesSlides/notesSlide16.xml><?xml version="1.0" encoding="utf-8"?>
+<p:notes xmlns:a="http://schemas.openxmlformats.org/drawingml/2006/main" xmlns:r="http://schemas.openxmlformats.org/officeDocument/2006/relationships" xmlns:p="http://schemas.openxmlformats.org/presentationml/2006/main">
+  <p:cSld>
+    <p:spTree>
+      <p:nvGrpSpPr>
         <p:cNvPr id="1" name=""/>
         <p:cNvGrpSpPr/>
         <p:nvPr/>
@@ -1334,7 +1467,7 @@
           <a:p>
             <a:fld id="{F93199CD-3E1B-4AE6-990F-76F925F5EA9F}" type="slidenum">
               <a:rPr lang="en-TW" smtClean="0"/>
-              <a:t>15</a:t>
+              <a:t>16</a:t>
             </a:fld>
             <a:endParaRPr lang="en-TW"/>
           </a:p>
@@ -1610,13 +1743,7 @@
   <p:cSld>
     <p:spTree>
       <p:nvGrpSpPr>
-        <p:cNvPr id="1" name="">
-          <a:extLst>
-            <a:ext uri="{FF2B5EF4-FFF2-40B4-BE49-F238E27FC236}">
-              <a16:creationId xmlns:a16="http://schemas.microsoft.com/office/drawing/2014/main" id="{43BA0287-8206-0E27-18E2-203A9454E7B7}"/>
-            </a:ext>
-          </a:extLst>
-        </p:cNvPr>
+        <p:cNvPr id="1" name=""/>
         <p:cNvGrpSpPr/>
         <p:nvPr/>
       </p:nvGrpSpPr>
@@ -1630,13 +1757,7 @@
       </p:grpSpPr>
       <p:sp>
         <p:nvSpPr>
-          <p:cNvPr id="2" name="Slide Image Placeholder 1">
-            <a:extLst>
-              <a:ext uri="{FF2B5EF4-FFF2-40B4-BE49-F238E27FC236}">
-                <a16:creationId xmlns:a16="http://schemas.microsoft.com/office/drawing/2014/main" id="{3841F732-2B7E-69FC-C2E7-D83D28F2E557}"/>
-              </a:ext>
-            </a:extLst>
-          </p:cNvPr>
+          <p:cNvPr id="2" name="Slide Image Placeholder 1"/>
           <p:cNvSpPr>
             <a:spLocks noGrp="1" noRot="1" noChangeAspect="1"/>
           </p:cNvSpPr>
@@ -1648,13 +1769,7 @@
       </p:sp>
       <p:sp>
         <p:nvSpPr>
-          <p:cNvPr id="3" name="Notes Placeholder 2">
-            <a:extLst>
-              <a:ext uri="{FF2B5EF4-FFF2-40B4-BE49-F238E27FC236}">
-                <a16:creationId xmlns:a16="http://schemas.microsoft.com/office/drawing/2014/main" id="{9D9C241D-6046-3DC8-10F2-2BAA26CD4A85}"/>
-              </a:ext>
-            </a:extLst>
-          </p:cNvPr>
+          <p:cNvPr id="3" name="Notes Placeholder 2"/>
           <p:cNvSpPr>
             <a:spLocks noGrp="1"/>
           </p:cNvSpPr>
@@ -1667,19 +1782,13 @@
           <a:bodyPr/>
           <a:lstStyle/>
           <a:p>
-            <a:endParaRPr lang="en-TW"/>
-          </a:p>
-        </p:txBody>
-      </p:sp>
-      <p:sp>
-        <p:nvSpPr>
-          <p:cNvPr id="4" name="Slide Number Placeholder 3">
-            <a:extLst>
-              <a:ext uri="{FF2B5EF4-FFF2-40B4-BE49-F238E27FC236}">
-                <a16:creationId xmlns:a16="http://schemas.microsoft.com/office/drawing/2014/main" id="{52159643-69A1-E81C-557F-C4982861110E}"/>
-              </a:ext>
-            </a:extLst>
-          </p:cNvPr>
+            <a:endParaRPr lang="en-US" dirty="0"/>
+          </a:p>
+        </p:txBody>
+      </p:sp>
+      <p:sp>
+        <p:nvSpPr>
+          <p:cNvPr id="4" name="Slide Number Placeholder 3"/>
           <p:cNvSpPr>
             <a:spLocks noGrp="1"/>
           </p:cNvSpPr>
@@ -1692,18 +1801,18 @@
           <a:bodyPr/>
           <a:lstStyle/>
           <a:p>
-            <a:fld id="{F93199CD-3E1B-4AE6-990F-76F925F5EA9F}" type="slidenum">
-              <a:rPr lang="en-TW" smtClean="0"/>
+            <a:fld id="{C2CC3B14-4FF2-40FD-B226-7C31B7F799E3}" type="slidenum">
+              <a:rPr lang="zh-TW" altLang="en-US" smtClean="0"/>
               <a:t>5</a:t>
             </a:fld>
-            <a:endParaRPr lang="en-TW"/>
+            <a:endParaRPr lang="zh-TW" altLang="en-US"/>
           </a:p>
         </p:txBody>
       </p:sp>
     </p:spTree>
     <p:extLst>
       <p:ext uri="{BB962C8B-B14F-4D97-AF65-F5344CB8AC3E}">
-        <p14:creationId xmlns:p14="http://schemas.microsoft.com/office/powerpoint/2010/main" val="2497632610"/>
+        <p14:creationId xmlns:p14="http://schemas.microsoft.com/office/powerpoint/2010/main" val="727712621"/>
       </p:ext>
     </p:extLst>
   </p:cSld>
@@ -1714,6 +1823,90 @@
 </file>
 
 <file path=ppt/notesSlides/notesSlide6.xml><?xml version="1.0" encoding="utf-8"?>
+<p:notes xmlns:a="http://schemas.openxmlformats.org/drawingml/2006/main" xmlns:r="http://schemas.openxmlformats.org/officeDocument/2006/relationships" xmlns:p="http://schemas.openxmlformats.org/presentationml/2006/main">
+  <p:cSld>
+    <p:spTree>
+      <p:nvGrpSpPr>
+        <p:cNvPr id="1" name=""/>
+        <p:cNvGrpSpPr/>
+        <p:nvPr/>
+      </p:nvGrpSpPr>
+      <p:grpSpPr>
+        <a:xfrm>
+          <a:off x="0" y="0"/>
+          <a:ext cx="0" cy="0"/>
+          <a:chOff x="0" y="0"/>
+          <a:chExt cx="0" cy="0"/>
+        </a:xfrm>
+      </p:grpSpPr>
+      <p:sp>
+        <p:nvSpPr>
+          <p:cNvPr id="2" name="Slide Image Placeholder 1"/>
+          <p:cNvSpPr>
+            <a:spLocks noGrp="1" noRot="1" noChangeAspect="1"/>
+          </p:cNvSpPr>
+          <p:nvPr>
+            <p:ph type="sldImg"/>
+          </p:nvPr>
+        </p:nvSpPr>
+        <p:spPr/>
+      </p:sp>
+      <p:sp>
+        <p:nvSpPr>
+          <p:cNvPr id="3" name="Notes Placeholder 2"/>
+          <p:cNvSpPr>
+            <a:spLocks noGrp="1"/>
+          </p:cNvSpPr>
+          <p:nvPr>
+            <p:ph type="body" idx="1"/>
+          </p:nvPr>
+        </p:nvSpPr>
+        <p:spPr/>
+        <p:txBody>
+          <a:bodyPr/>
+          <a:lstStyle/>
+          <a:p>
+            <a:endParaRPr lang="en-US" dirty="0"/>
+          </a:p>
+        </p:txBody>
+      </p:sp>
+      <p:sp>
+        <p:nvSpPr>
+          <p:cNvPr id="4" name="Slide Number Placeholder 3"/>
+          <p:cNvSpPr>
+            <a:spLocks noGrp="1"/>
+          </p:cNvSpPr>
+          <p:nvPr>
+            <p:ph type="sldNum" sz="quarter" idx="5"/>
+          </p:nvPr>
+        </p:nvSpPr>
+        <p:spPr/>
+        <p:txBody>
+          <a:bodyPr/>
+          <a:lstStyle/>
+          <a:p>
+            <a:fld id="{C2CC3B14-4FF2-40FD-B226-7C31B7F799E3}" type="slidenum">
+              <a:rPr lang="zh-TW" altLang="en-US" smtClean="0"/>
+              <a:t>6</a:t>
+            </a:fld>
+            <a:endParaRPr lang="zh-TW" altLang="en-US"/>
+          </a:p>
+        </p:txBody>
+      </p:sp>
+    </p:spTree>
+    <p:extLst>
+      <p:ext uri="{BB962C8B-B14F-4D97-AF65-F5344CB8AC3E}">
+        <p14:creationId xmlns:p14="http://schemas.microsoft.com/office/powerpoint/2010/main" val="718994369"/>
+      </p:ext>
+    </p:extLst>
+  </p:cSld>
+  <p:clrMapOvr>
+    <a:masterClrMapping/>
+  </p:clrMapOvr>
+</p:notes>
+</file>
+
+<file path=ppt/notesSlides/notesSlide7.xml><?xml version="1.0" encoding="utf-8"?>
 <p:notes xmlns:a="http://schemas.openxmlformats.org/drawingml/2006/main" xmlns:r="http://schemas.openxmlformats.org/officeDocument/2006/relationships" xmlns:p="http://schemas.openxmlformats.org/presentationml/2006/main">
   <p:cSld>
     <p:spTree>
@@ -1802,7 +1995,7 @@
           <a:p>
             <a:fld id="{F93199CD-3E1B-4AE6-990F-76F925F5EA9F}" type="slidenum">
               <a:rPr lang="en-TW" smtClean="0"/>
-              <a:t>6</a:t>
+              <a:t>7</a:t>
             </a:fld>
             <a:endParaRPr lang="en-TW"/>
           </a:p>
@@ -1811,115 +2004,7 @@
     </p:spTree>
     <p:extLst>
       <p:ext uri="{BB962C8B-B14F-4D97-AF65-F5344CB8AC3E}">
-        <p14:creationId xmlns:p14="http://schemas.microsoft.com/office/powerpoint/2010/main" val="2101224023"/>
-      </p:ext>
-    </p:extLst>
-  </p:cSld>
-  <p:clrMapOvr>
-    <a:masterClrMapping/>
-  </p:clrMapOvr>
-</p:notes>
-</file>
-
-<file path=ppt/notesSlides/notesSlide7.xml><?xml version="1.0" encoding="utf-8"?>
-<p:notes xmlns:a="http://schemas.openxmlformats.org/drawingml/2006/main" xmlns:r="http://schemas.openxmlformats.org/officeDocument/2006/relationships" xmlns:p="http://schemas.openxmlformats.org/presentationml/2006/main">
-  <p:cSld>
-    <p:spTree>
-      <p:nvGrpSpPr>
-        <p:cNvPr id="1" name="">
-          <a:extLst>
-            <a:ext uri="{FF2B5EF4-FFF2-40B4-BE49-F238E27FC236}">
-              <a16:creationId xmlns:a16="http://schemas.microsoft.com/office/drawing/2014/main" id="{A4D55A5C-47FD-467D-417E-BC6144F7BCFB}"/>
-            </a:ext>
-          </a:extLst>
-        </p:cNvPr>
-        <p:cNvGrpSpPr/>
-        <p:nvPr/>
-      </p:nvGrpSpPr>
-      <p:grpSpPr>
-        <a:xfrm>
-          <a:off x="0" y="0"/>
-          <a:ext cx="0" cy="0"/>
-          <a:chOff x="0" y="0"/>
-          <a:chExt cx="0" cy="0"/>
-        </a:xfrm>
-      </p:grpSpPr>
-      <p:sp>
-        <p:nvSpPr>
-          <p:cNvPr id="2" name="Slide Image Placeholder 1">
-            <a:extLst>
-              <a:ext uri="{FF2B5EF4-FFF2-40B4-BE49-F238E27FC236}">
-                <a16:creationId xmlns:a16="http://schemas.microsoft.com/office/drawing/2014/main" id="{94330343-79AF-B2FD-1ACE-01053D1DCD72}"/>
-              </a:ext>
-            </a:extLst>
-          </p:cNvPr>
-          <p:cNvSpPr>
-            <a:spLocks noGrp="1" noRot="1" noChangeAspect="1"/>
-          </p:cNvSpPr>
-          <p:nvPr>
-            <p:ph type="sldImg"/>
-          </p:nvPr>
-        </p:nvSpPr>
-        <p:spPr/>
-      </p:sp>
-      <p:sp>
-        <p:nvSpPr>
-          <p:cNvPr id="3" name="Notes Placeholder 2">
-            <a:extLst>
-              <a:ext uri="{FF2B5EF4-FFF2-40B4-BE49-F238E27FC236}">
-                <a16:creationId xmlns:a16="http://schemas.microsoft.com/office/drawing/2014/main" id="{856C6AB7-EB2A-394F-3D5A-53FBD4D743F5}"/>
-              </a:ext>
-            </a:extLst>
-          </p:cNvPr>
-          <p:cNvSpPr>
-            <a:spLocks noGrp="1"/>
-          </p:cNvSpPr>
-          <p:nvPr>
-            <p:ph type="body" idx="1"/>
-          </p:nvPr>
-        </p:nvSpPr>
-        <p:spPr/>
-        <p:txBody>
-          <a:bodyPr/>
-          <a:lstStyle/>
-          <a:p>
-            <a:endParaRPr lang="en-TW"/>
-          </a:p>
-        </p:txBody>
-      </p:sp>
-      <p:sp>
-        <p:nvSpPr>
-          <p:cNvPr id="4" name="Slide Number Placeholder 3">
-            <a:extLst>
-              <a:ext uri="{FF2B5EF4-FFF2-40B4-BE49-F238E27FC236}">
-                <a16:creationId xmlns:a16="http://schemas.microsoft.com/office/drawing/2014/main" id="{547CFD5C-5282-938C-A549-B22EA563D554}"/>
-              </a:ext>
-            </a:extLst>
-          </p:cNvPr>
-          <p:cNvSpPr>
-            <a:spLocks noGrp="1"/>
-          </p:cNvSpPr>
-          <p:nvPr>
-            <p:ph type="sldNum" sz="quarter" idx="5"/>
-          </p:nvPr>
-        </p:nvSpPr>
-        <p:spPr/>
-        <p:txBody>
-          <a:bodyPr/>
-          <a:lstStyle/>
-          <a:p>
-            <a:fld id="{F93199CD-3E1B-4AE6-990F-76F925F5EA9F}" type="slidenum">
-              <a:rPr lang="en-TW" smtClean="0"/>
-              <a:t>7</a:t>
-            </a:fld>
-            <a:endParaRPr lang="en-TW"/>
-          </a:p>
-        </p:txBody>
-      </p:sp>
-    </p:spTree>
-    <p:extLst>
-      <p:ext uri="{BB962C8B-B14F-4D97-AF65-F5344CB8AC3E}">
-        <p14:creationId xmlns:p14="http://schemas.microsoft.com/office/powerpoint/2010/main" val="926525753"/>
+        <p14:creationId xmlns:p14="http://schemas.microsoft.com/office/powerpoint/2010/main" val="2497632610"/>
       </p:ext>
     </p:extLst>
   </p:cSld>
@@ -2027,7 +2112,7 @@
     </p:spTree>
     <p:extLst>
       <p:ext uri="{BB962C8B-B14F-4D97-AF65-F5344CB8AC3E}">
-        <p14:creationId xmlns:p14="http://schemas.microsoft.com/office/powerpoint/2010/main" val="785904672"/>
+        <p14:creationId xmlns:p14="http://schemas.microsoft.com/office/powerpoint/2010/main" val="2101224023"/>
       </p:ext>
     </p:extLst>
   </p:cSld>
@@ -2042,7 +2127,13 @@
   <p:cSld>
     <p:spTree>
       <p:nvGrpSpPr>
-        <p:cNvPr id="1" name=""/>
+        <p:cNvPr id="1" name="">
+          <a:extLst>
+            <a:ext uri="{FF2B5EF4-FFF2-40B4-BE49-F238E27FC236}">
+              <a16:creationId xmlns:a16="http://schemas.microsoft.com/office/drawing/2014/main" id="{A4D55A5C-47FD-467D-417E-BC6144F7BCFB}"/>
+            </a:ext>
+          </a:extLst>
+        </p:cNvPr>
         <p:cNvGrpSpPr/>
         <p:nvPr/>
       </p:nvGrpSpPr>
@@ -2056,7 +2147,13 @@
       </p:grpSpPr>
       <p:sp>
         <p:nvSpPr>
-          <p:cNvPr id="2" name="Slide Image Placeholder 1"/>
+          <p:cNvPr id="2" name="Slide Image Placeholder 1">
+            <a:extLst>
+              <a:ext uri="{FF2B5EF4-FFF2-40B4-BE49-F238E27FC236}">
+                <a16:creationId xmlns:a16="http://schemas.microsoft.com/office/drawing/2014/main" id="{94330343-79AF-B2FD-1ACE-01053D1DCD72}"/>
+              </a:ext>
+            </a:extLst>
+          </p:cNvPr>
           <p:cNvSpPr>
             <a:spLocks noGrp="1" noRot="1" noChangeAspect="1"/>
           </p:cNvSpPr>
@@ -2068,7 +2165,13 @@
       </p:sp>
       <p:sp>
         <p:nvSpPr>
-          <p:cNvPr id="3" name="Notes Placeholder 2"/>
+          <p:cNvPr id="3" name="Notes Placeholder 2">
+            <a:extLst>
+              <a:ext uri="{FF2B5EF4-FFF2-40B4-BE49-F238E27FC236}">
+                <a16:creationId xmlns:a16="http://schemas.microsoft.com/office/drawing/2014/main" id="{856C6AB7-EB2A-394F-3D5A-53FBD4D743F5}"/>
+              </a:ext>
+            </a:extLst>
+          </p:cNvPr>
           <p:cNvSpPr>
             <a:spLocks noGrp="1"/>
           </p:cNvSpPr>
@@ -2081,13 +2184,19 @@
           <a:bodyPr/>
           <a:lstStyle/>
           <a:p>
-            <a:endParaRPr lang="en-US" dirty="0"/>
-          </a:p>
-        </p:txBody>
-      </p:sp>
-      <p:sp>
-        <p:nvSpPr>
-          <p:cNvPr id="4" name="Slide Number Placeholder 3"/>
+            <a:endParaRPr lang="en-TW"/>
+          </a:p>
+        </p:txBody>
+      </p:sp>
+      <p:sp>
+        <p:nvSpPr>
+          <p:cNvPr id="4" name="Slide Number Placeholder 3">
+            <a:extLst>
+              <a:ext uri="{FF2B5EF4-FFF2-40B4-BE49-F238E27FC236}">
+                <a16:creationId xmlns:a16="http://schemas.microsoft.com/office/drawing/2014/main" id="{547CFD5C-5282-938C-A549-B22EA563D554}"/>
+              </a:ext>
+            </a:extLst>
+          </p:cNvPr>
           <p:cNvSpPr>
             <a:spLocks noGrp="1"/>
           </p:cNvSpPr>
@@ -2100,18 +2209,18 @@
           <a:bodyPr/>
           <a:lstStyle/>
           <a:p>
-            <a:fld id="{C2CC3B14-4FF2-40FD-B226-7C31B7F799E3}" type="slidenum">
-              <a:rPr lang="zh-TW" altLang="en-US" smtClean="0"/>
+            <a:fld id="{F93199CD-3E1B-4AE6-990F-76F925F5EA9F}" type="slidenum">
+              <a:rPr lang="en-TW" smtClean="0"/>
               <a:t>9</a:t>
             </a:fld>
-            <a:endParaRPr lang="zh-TW" altLang="en-US"/>
+            <a:endParaRPr lang="en-TW"/>
           </a:p>
         </p:txBody>
       </p:sp>
     </p:spTree>
     <p:extLst>
       <p:ext uri="{BB962C8B-B14F-4D97-AF65-F5344CB8AC3E}">
-        <p14:creationId xmlns:p14="http://schemas.microsoft.com/office/powerpoint/2010/main" val="718994369"/>
+        <p14:creationId xmlns:p14="http://schemas.microsoft.com/office/powerpoint/2010/main" val="926525753"/>
       </p:ext>
     </p:extLst>
   </p:cSld>
@@ -5772,7 +5881,13 @@
   <p:cSld>
     <p:spTree>
       <p:nvGrpSpPr>
-        <p:cNvPr id="1" name=""/>
+        <p:cNvPr id="1" name="">
+          <a:extLst>
+            <a:ext uri="{FF2B5EF4-FFF2-40B4-BE49-F238E27FC236}">
+              <a16:creationId xmlns:a16="http://schemas.microsoft.com/office/drawing/2014/main" id="{AB88098C-74F1-31E9-6F1F-358221AB5104}"/>
+            </a:ext>
+          </a:extLst>
+        </p:cNvPr>
         <p:cNvGrpSpPr/>
         <p:nvPr/>
       </p:nvGrpSpPr>
@@ -5789,7 +5904,7 @@
           <p:cNvPr id="2" name="標題 1">
             <a:extLst>
               <a:ext uri="{FF2B5EF4-FFF2-40B4-BE49-F238E27FC236}">
-                <a16:creationId xmlns:a16="http://schemas.microsoft.com/office/drawing/2014/main" id="{6673CE01-902A-4B4F-64AA-CD0A427E8BEA}"/>
+                <a16:creationId xmlns:a16="http://schemas.microsoft.com/office/drawing/2014/main" id="{83F370E4-36D5-EA44-E54F-ED0F54A0E67E}"/>
               </a:ext>
             </a:extLst>
           </p:cNvPr>
@@ -5808,18 +5923,22 @@
           <a:lstStyle/>
           <a:p>
             <a:r>
-              <a:rPr lang="zh-CN" altLang="en-US" sz="3600" b="0" i="0" kern="1200" spc="100" baseline="0" dirty="0">
-                <a:solidFill>
-                  <a:srgbClr val="005BAC"/>
-                </a:solidFill>
-                <a:effectLst/>
-                <a:latin typeface="+mn-ea"/>
-                <a:ea typeface="+mn-ea"/>
-                <a:cs typeface="+mj-cs"/>
+              <a:rPr lang="zh-TW" altLang="en-US" b="0" dirty="0">
+                <a:latin typeface="Tahoma" panose="020B0604030504040204" pitchFamily="34" charset="0"/>
+                <a:ea typeface="文鼎中圓" panose="020B0609010101010101" pitchFamily="49" charset="-120"/>
+                <a:cs typeface="Tahoma" panose="020B0604030504040204" pitchFamily="34" charset="0"/>
               </a:rPr>
-              <a:t>角色與責任</a:t>
-            </a:r>
-            <a:endParaRPr lang="zh-TW" altLang="en-US" dirty="0">
+              <a:t>運作流程</a:t>
+            </a:r>
+            <a:r>
+              <a:rPr lang="en-US" altLang="zh-TW" b="0" dirty="0">
+                <a:latin typeface="Tahoma" panose="020B0604030504040204" pitchFamily="34" charset="0"/>
+                <a:ea typeface="文鼎中圓" panose="020B0609010101010101" pitchFamily="49" charset="-120"/>
+                <a:cs typeface="Tahoma" panose="020B0604030504040204" pitchFamily="34" charset="0"/>
+              </a:rPr>
+              <a:t>(2)</a:t>
+            </a:r>
+            <a:endParaRPr lang="zh-TW" altLang="en-US" b="0" dirty="0">
               <a:latin typeface="Tahoma" panose="020B0604030504040204" pitchFamily="34" charset="0"/>
               <a:ea typeface="文鼎中圓" panose="020B0609010101010101" pitchFamily="49" charset="-120"/>
               <a:cs typeface="Tahoma" panose="020B0604030504040204" pitchFamily="34" charset="0"/>
@@ -5829,114 +5948,1088 @@
       </p:sp>
       <p:sp>
         <p:nvSpPr>
-          <p:cNvPr id="3" name="內容版面配置區 2">
+          <p:cNvPr id="7" name="矩形: 圓角 6">
             <a:extLst>
               <a:ext uri="{FF2B5EF4-FFF2-40B4-BE49-F238E27FC236}">
-                <a16:creationId xmlns:a16="http://schemas.microsoft.com/office/drawing/2014/main" id="{EE04EB34-5E3B-EEB5-3327-BCE07A4C4D41}"/>
+                <a16:creationId xmlns:a16="http://schemas.microsoft.com/office/drawing/2014/main" id="{0B4D5043-1C03-A996-D30F-9951B566587C}"/>
               </a:ext>
             </a:extLst>
           </p:cNvPr>
-          <p:cNvSpPr>
-            <a:spLocks noGrp="1"/>
-          </p:cNvSpPr>
-          <p:nvPr>
-            <p:ph idx="1"/>
-          </p:nvPr>
-        </p:nvSpPr>
-        <p:spPr/>
-        <p:txBody>
-          <a:bodyPr/>
-          <a:lstStyle/>
-          <a:p>
-            <a:r>
-              <a:rPr lang="zh-TW" altLang="en-US" sz="2400" b="0" i="0" kern="1200" dirty="0">
+          <p:cNvSpPr/>
+          <p:nvPr/>
+        </p:nvSpPr>
+        <p:spPr>
+          <a:xfrm>
+            <a:off x="311653" y="1136329"/>
+            <a:ext cx="2304256" cy="1080120"/>
+          </a:xfrm>
+          <a:prstGeom prst="roundRect">
+            <a:avLst/>
+          </a:prstGeom>
+        </p:spPr>
+        <p:style>
+          <a:lnRef idx="2">
+            <a:schemeClr val="accent3">
+              <a:shade val="15000"/>
+            </a:schemeClr>
+          </a:lnRef>
+          <a:fillRef idx="1">
+            <a:schemeClr val="accent3"/>
+          </a:fillRef>
+          <a:effectRef idx="0">
+            <a:schemeClr val="accent3"/>
+          </a:effectRef>
+          <a:fontRef idx="minor">
+            <a:schemeClr val="lt1"/>
+          </a:fontRef>
+        </p:style>
+        <p:txBody>
+          <a:bodyPr rtlCol="0" anchor="ctr"/>
+          <a:lstStyle/>
+          <a:p>
+            <a:pPr algn="ctr"/>
+            <a:r>
+              <a:rPr lang="zh-TW" altLang="en-US" sz="3600" dirty="0">
                 <a:solidFill>
                   <a:schemeClr val="bg1"/>
                 </a:solidFill>
-                <a:effectLst/>
-                <a:latin typeface="+mn-ea"/>
-                <a:ea typeface="+mn-ea"/>
-                <a:cs typeface="+mn-cs"/>
               </a:rPr>
-              <a:t>張秉中</a:t>
-            </a:r>
-            <a:r>
-              <a:rPr lang="en-US" altLang="zh-TW" sz="2400" b="0" i="0" kern="1200" dirty="0">
+              <a:t>預測資料</a:t>
+            </a:r>
+            <a:endParaRPr lang="en-US" altLang="zh-TW" sz="3600" dirty="0">
+              <a:solidFill>
+                <a:schemeClr val="bg1"/>
+              </a:solidFill>
+            </a:endParaRPr>
+          </a:p>
+        </p:txBody>
+      </p:sp>
+      <p:sp>
+        <p:nvSpPr>
+          <p:cNvPr id="9" name="矩形: 圓角 8">
+            <a:extLst>
+              <a:ext uri="{FF2B5EF4-FFF2-40B4-BE49-F238E27FC236}">
+                <a16:creationId xmlns:a16="http://schemas.microsoft.com/office/drawing/2014/main" id="{C3FE0D3F-7D6C-9C70-9FE5-4A2A8010A5F3}"/>
+              </a:ext>
+            </a:extLst>
+          </p:cNvPr>
+          <p:cNvSpPr/>
+          <p:nvPr/>
+        </p:nvSpPr>
+        <p:spPr>
+          <a:xfrm>
+            <a:off x="8814401" y="953417"/>
+            <a:ext cx="1877194" cy="1284558"/>
+          </a:xfrm>
+          <a:prstGeom prst="roundRect">
+            <a:avLst/>
+          </a:prstGeom>
+        </p:spPr>
+        <p:style>
+          <a:lnRef idx="2">
+            <a:schemeClr val="accent3">
+              <a:shade val="15000"/>
+            </a:schemeClr>
+          </a:lnRef>
+          <a:fillRef idx="1">
+            <a:schemeClr val="accent3"/>
+          </a:fillRef>
+          <a:effectRef idx="0">
+            <a:schemeClr val="accent3"/>
+          </a:effectRef>
+          <a:fontRef idx="minor">
+            <a:schemeClr val="lt1"/>
+          </a:fontRef>
+        </p:style>
+        <p:txBody>
+          <a:bodyPr rtlCol="0" anchor="ctr"/>
+          <a:lstStyle/>
+          <a:p>
+            <a:pPr algn="ctr"/>
+            <a:r>
+              <a:rPr lang="zh-TW" altLang="en-US" sz="3600" dirty="0">
                 <a:solidFill>
                   <a:schemeClr val="bg1"/>
                 </a:solidFill>
-                <a:effectLst/>
-                <a:latin typeface="+mn-ea"/>
-                <a:ea typeface="+mn-ea"/>
-                <a:cs typeface="+mn-cs"/>
               </a:rPr>
-              <a:t>:</a:t>
-            </a:r>
-            <a:r>
-              <a:rPr lang="zh-TW" altLang="en-US" sz="2400" b="0" i="0" kern="1200" dirty="0">
+              <a:t>資料庫</a:t>
+            </a:r>
+          </a:p>
+        </p:txBody>
+      </p:sp>
+      <p:cxnSp>
+        <p:nvCxnSpPr>
+          <p:cNvPr id="21" name="接點: 肘形 20">
+            <a:extLst>
+              <a:ext uri="{FF2B5EF4-FFF2-40B4-BE49-F238E27FC236}">
+                <a16:creationId xmlns:a16="http://schemas.microsoft.com/office/drawing/2014/main" id="{1162DEDE-59EE-8FFB-265B-CF307675A4F0}"/>
+              </a:ext>
+            </a:extLst>
+          </p:cNvPr>
+          <p:cNvCxnSpPr>
+            <a:cxnSpLocks/>
+            <a:stCxn id="7" idx="3"/>
+          </p:cNvCxnSpPr>
+          <p:nvPr/>
+        </p:nvCxnSpPr>
+        <p:spPr>
+          <a:xfrm>
+            <a:off x="2615909" y="1676389"/>
+            <a:ext cx="1797110" cy="1032531"/>
+          </a:xfrm>
+          <a:prstGeom prst="bentConnector3">
+            <a:avLst>
+              <a:gd name="adj1" fmla="val 50000"/>
+            </a:avLst>
+          </a:prstGeom>
+          <a:ln w="31750">
+            <a:tailEnd type="triangle"/>
+          </a:ln>
+        </p:spPr>
+        <p:style>
+          <a:lnRef idx="1">
+            <a:schemeClr val="accent1"/>
+          </a:lnRef>
+          <a:fillRef idx="0">
+            <a:schemeClr val="accent1"/>
+          </a:fillRef>
+          <a:effectRef idx="0">
+            <a:schemeClr val="accent1"/>
+          </a:effectRef>
+          <a:fontRef idx="minor">
+            <a:schemeClr val="tx1"/>
+          </a:fontRef>
+        </p:style>
+      </p:cxnSp>
+      <p:sp>
+        <p:nvSpPr>
+          <p:cNvPr id="31" name="文字方塊 30">
+            <a:extLst>
+              <a:ext uri="{FF2B5EF4-FFF2-40B4-BE49-F238E27FC236}">
+                <a16:creationId xmlns:a16="http://schemas.microsoft.com/office/drawing/2014/main" id="{68190630-4DA6-8F9D-22E7-58C16E71FF5E}"/>
+              </a:ext>
+            </a:extLst>
+          </p:cNvPr>
+          <p:cNvSpPr txBox="1"/>
+          <p:nvPr/>
+        </p:nvSpPr>
+        <p:spPr>
+          <a:xfrm>
+            <a:off x="2684291" y="1754813"/>
+            <a:ext cx="902811" cy="954107"/>
+          </a:xfrm>
+          <a:prstGeom prst="rect">
+            <a:avLst/>
+          </a:prstGeom>
+          <a:noFill/>
+        </p:spPr>
+        <p:txBody>
+          <a:bodyPr wrap="none" rtlCol="0">
+            <a:spAutoFit/>
+          </a:bodyPr>
+          <a:lstStyle/>
+          <a:p>
+            <a:pPr algn="ctr"/>
+            <a:r>
+              <a:rPr lang="en-US" altLang="zh-TW" sz="2800" dirty="0">
                 <a:solidFill>
                   <a:schemeClr val="bg1"/>
                 </a:solidFill>
-                <a:effectLst/>
-                <a:latin typeface="+mn-ea"/>
-                <a:ea typeface="+mn-ea"/>
-                <a:cs typeface="+mn-cs"/>
               </a:rPr>
-              <a:t>處理雜務與監督排程</a:t>
-            </a:r>
-            <a:endParaRPr lang="en-US" altLang="zh-TW" sz="2400" b="0" i="0" kern="1200" dirty="0">
+              <a:t>1</a:t>
+            </a:r>
+          </a:p>
+          <a:p>
+            <a:pPr algn="ctr"/>
+            <a:r>
+              <a:rPr lang="zh-TW" altLang="en-US" sz="2800" dirty="0">
+                <a:solidFill>
+                  <a:schemeClr val="bg1"/>
+                </a:solidFill>
+              </a:rPr>
+              <a:t>匯入</a:t>
+            </a:r>
+            <a:endParaRPr lang="en-US" altLang="zh-TW" sz="2800" dirty="0">
               <a:solidFill>
                 <a:schemeClr val="bg1"/>
               </a:solidFill>
-              <a:effectLst/>
-              <a:latin typeface="+mn-ea"/>
-              <a:ea typeface="+mn-ea"/>
-              <a:cs typeface="+mn-cs"/>
             </a:endParaRPr>
           </a:p>
-          <a:p>
-            <a:r>
-              <a:rPr lang="zh-TW" altLang="en-US" dirty="0"/>
-              <a:t>高翊恩</a:t>
-            </a:r>
-            <a:r>
-              <a:rPr lang="en-US" altLang="zh-TW" dirty="0"/>
-              <a:t>:UI</a:t>
-            </a:r>
-            <a:r>
-              <a:rPr lang="zh-TW" altLang="en-US" dirty="0"/>
-              <a:t>編寫以及前端處理</a:t>
-            </a:r>
-            <a:endParaRPr lang="en-US" altLang="zh-TW" dirty="0"/>
-          </a:p>
-          <a:p>
-            <a:r>
-              <a:rPr lang="zh-TW" altLang="en-US" dirty="0"/>
-              <a:t>陳泓宇</a:t>
-            </a:r>
-            <a:r>
-              <a:rPr lang="en-US" altLang="zh-TW" dirty="0"/>
-              <a:t>:</a:t>
-            </a:r>
-            <a:r>
-              <a:rPr lang="zh-TW" altLang="en-US" dirty="0"/>
-              <a:t>編寫</a:t>
-            </a:r>
-            <a:r>
-              <a:rPr lang="en-US" altLang="zh-TW" dirty="0" err="1"/>
-              <a:t>automl</a:t>
-            </a:r>
-            <a:r>
-              <a:rPr lang="zh-TW" altLang="en-US" dirty="0"/>
-              <a:t>內部功能函式以及字串分割</a:t>
-            </a:r>
+        </p:txBody>
+      </p:sp>
+      <p:sp>
+        <p:nvSpPr>
+          <p:cNvPr id="3" name="矩形: 圓角 2">
+            <a:extLst>
+              <a:ext uri="{FF2B5EF4-FFF2-40B4-BE49-F238E27FC236}">
+                <a16:creationId xmlns:a16="http://schemas.microsoft.com/office/drawing/2014/main" id="{14E676CF-2D99-62A2-08A9-62B0A9AC929C}"/>
+              </a:ext>
+            </a:extLst>
+          </p:cNvPr>
+          <p:cNvSpPr/>
+          <p:nvPr/>
+        </p:nvSpPr>
+        <p:spPr>
+          <a:xfrm>
+            <a:off x="-48387" y="4457661"/>
+            <a:ext cx="2664296" cy="1080120"/>
+          </a:xfrm>
+          <a:prstGeom prst="roundRect">
+            <a:avLst/>
+          </a:prstGeom>
+        </p:spPr>
+        <p:style>
+          <a:lnRef idx="2">
+            <a:schemeClr val="accent3">
+              <a:shade val="15000"/>
+            </a:schemeClr>
+          </a:lnRef>
+          <a:fillRef idx="1">
+            <a:schemeClr val="accent3"/>
+          </a:fillRef>
+          <a:effectRef idx="0">
+            <a:schemeClr val="accent3"/>
+          </a:effectRef>
+          <a:fontRef idx="minor">
+            <a:schemeClr val="lt1"/>
+          </a:fontRef>
+        </p:style>
+        <p:txBody>
+          <a:bodyPr rtlCol="0" anchor="ctr"/>
+          <a:lstStyle/>
+          <a:p>
+            <a:pPr algn="ctr"/>
+            <a:r>
+              <a:rPr lang="zh-TW" altLang="en-US" sz="3600" dirty="0">
+                <a:solidFill>
+                  <a:schemeClr val="bg1"/>
+                </a:solidFill>
+              </a:rPr>
+              <a:t>模型檔選項</a:t>
+            </a:r>
+            <a:endParaRPr lang="en-US" altLang="zh-TW" sz="3600" dirty="0">
+              <a:solidFill>
+                <a:schemeClr val="bg1"/>
+              </a:solidFill>
+            </a:endParaRPr>
+          </a:p>
+        </p:txBody>
+      </p:sp>
+      <p:sp>
+        <p:nvSpPr>
+          <p:cNvPr id="6" name="矩形: 圓角 5">
+            <a:extLst>
+              <a:ext uri="{FF2B5EF4-FFF2-40B4-BE49-F238E27FC236}">
+                <a16:creationId xmlns:a16="http://schemas.microsoft.com/office/drawing/2014/main" id="{64EDB746-6C5C-BAF6-5FF2-FD411059B2DD}"/>
+              </a:ext>
+            </a:extLst>
+          </p:cNvPr>
+          <p:cNvSpPr/>
+          <p:nvPr/>
+        </p:nvSpPr>
+        <p:spPr>
+          <a:xfrm>
+            <a:off x="7091063" y="2526652"/>
+            <a:ext cx="2133973" cy="1080120"/>
+          </a:xfrm>
+          <a:prstGeom prst="roundRect">
+            <a:avLst/>
+          </a:prstGeom>
+        </p:spPr>
+        <p:style>
+          <a:lnRef idx="2">
+            <a:schemeClr val="accent3">
+              <a:shade val="15000"/>
+            </a:schemeClr>
+          </a:lnRef>
+          <a:fillRef idx="1">
+            <a:schemeClr val="accent3"/>
+          </a:fillRef>
+          <a:effectRef idx="0">
+            <a:schemeClr val="accent3"/>
+          </a:effectRef>
+          <a:fontRef idx="minor">
+            <a:schemeClr val="lt1"/>
+          </a:fontRef>
+        </p:style>
+        <p:txBody>
+          <a:bodyPr rtlCol="0" anchor="ctr"/>
+          <a:lstStyle/>
+          <a:p>
+            <a:pPr algn="ctr"/>
+            <a:r>
+              <a:rPr lang="zh-TW" altLang="en-US" sz="3600" dirty="0">
+                <a:solidFill>
+                  <a:schemeClr val="bg1"/>
+                </a:solidFill>
+              </a:rPr>
+              <a:t>預測結果</a:t>
+            </a:r>
+            <a:endParaRPr lang="en-US" altLang="zh-TW" sz="3600" dirty="0">
+              <a:solidFill>
+                <a:schemeClr val="bg1"/>
+              </a:solidFill>
+            </a:endParaRPr>
+          </a:p>
+        </p:txBody>
+      </p:sp>
+      <p:sp>
+        <p:nvSpPr>
+          <p:cNvPr id="10" name="矩形: 圓角 9">
+            <a:extLst>
+              <a:ext uri="{FF2B5EF4-FFF2-40B4-BE49-F238E27FC236}">
+                <a16:creationId xmlns:a16="http://schemas.microsoft.com/office/drawing/2014/main" id="{B9663CA4-EE92-566D-A06F-6B3127D83B81}"/>
+              </a:ext>
+            </a:extLst>
+          </p:cNvPr>
+          <p:cNvSpPr/>
+          <p:nvPr/>
+        </p:nvSpPr>
+        <p:spPr>
+          <a:xfrm>
+            <a:off x="4413019" y="1136330"/>
+            <a:ext cx="779598" cy="4585339"/>
+          </a:xfrm>
+          <a:prstGeom prst="roundRect">
+            <a:avLst/>
+          </a:prstGeom>
+        </p:spPr>
+        <p:style>
+          <a:lnRef idx="2">
+            <a:schemeClr val="accent3">
+              <a:shade val="15000"/>
+            </a:schemeClr>
+          </a:lnRef>
+          <a:fillRef idx="1">
+            <a:schemeClr val="accent3"/>
+          </a:fillRef>
+          <a:effectRef idx="0">
+            <a:schemeClr val="accent3"/>
+          </a:effectRef>
+          <a:fontRef idx="minor">
+            <a:schemeClr val="lt1"/>
+          </a:fontRef>
+        </p:style>
+        <p:txBody>
+          <a:bodyPr rtlCol="0" anchor="ctr"/>
+          <a:lstStyle/>
+          <a:p>
+            <a:pPr algn="ctr"/>
+            <a:r>
+              <a:rPr lang="en-US" altLang="zh-TW" sz="3600" dirty="0">
+                <a:solidFill>
+                  <a:schemeClr val="bg1"/>
+                </a:solidFill>
+              </a:rPr>
+              <a:t>UI</a:t>
+            </a:r>
+            <a:endParaRPr lang="zh-TW" altLang="en-US" sz="3600" dirty="0">
+              <a:solidFill>
+                <a:schemeClr val="bg1"/>
+              </a:solidFill>
+            </a:endParaRPr>
+          </a:p>
+        </p:txBody>
+      </p:sp>
+      <p:sp>
+        <p:nvSpPr>
+          <p:cNvPr id="13" name="矩形: 圓角 12">
+            <a:extLst>
+              <a:ext uri="{FF2B5EF4-FFF2-40B4-BE49-F238E27FC236}">
+                <a16:creationId xmlns:a16="http://schemas.microsoft.com/office/drawing/2014/main" id="{C9E0D90F-BA44-134F-DA9F-CEE4D82D96A9}"/>
+              </a:ext>
+            </a:extLst>
+          </p:cNvPr>
+          <p:cNvSpPr/>
+          <p:nvPr/>
+        </p:nvSpPr>
+        <p:spPr>
+          <a:xfrm>
+            <a:off x="6403948" y="4437113"/>
+            <a:ext cx="2260958" cy="1284558"/>
+          </a:xfrm>
+          <a:prstGeom prst="roundRect">
+            <a:avLst/>
+          </a:prstGeom>
+        </p:spPr>
+        <p:style>
+          <a:lnRef idx="2">
+            <a:schemeClr val="accent3">
+              <a:shade val="15000"/>
+            </a:schemeClr>
+          </a:lnRef>
+          <a:fillRef idx="1">
+            <a:schemeClr val="accent3"/>
+          </a:fillRef>
+          <a:effectRef idx="0">
+            <a:schemeClr val="accent3"/>
+          </a:effectRef>
+          <a:fontRef idx="minor">
+            <a:schemeClr val="lt1"/>
+          </a:fontRef>
+        </p:style>
+        <p:txBody>
+          <a:bodyPr rtlCol="0" anchor="ctr"/>
+          <a:lstStyle/>
+          <a:p>
+            <a:pPr algn="ctr"/>
+            <a:r>
+              <a:rPr lang="zh-TW" altLang="en-US" sz="3600" dirty="0">
+                <a:solidFill>
+                  <a:schemeClr val="bg1"/>
+                </a:solidFill>
+              </a:rPr>
+              <a:t>預測模型</a:t>
+            </a:r>
+          </a:p>
+        </p:txBody>
+      </p:sp>
+      <p:cxnSp>
+        <p:nvCxnSpPr>
+          <p:cNvPr id="14" name="接點: 肘形 13">
+            <a:extLst>
+              <a:ext uri="{FF2B5EF4-FFF2-40B4-BE49-F238E27FC236}">
+                <a16:creationId xmlns:a16="http://schemas.microsoft.com/office/drawing/2014/main" id="{5F9B24F2-0A17-5191-6AD7-90E47952DD7C}"/>
+              </a:ext>
+            </a:extLst>
+          </p:cNvPr>
+          <p:cNvCxnSpPr>
+            <a:cxnSpLocks/>
+          </p:cNvCxnSpPr>
+          <p:nvPr/>
+        </p:nvCxnSpPr>
+        <p:spPr>
+          <a:xfrm rot="5400000">
+            <a:off x="8165503" y="2762943"/>
+            <a:ext cx="2765853" cy="1703703"/>
+          </a:xfrm>
+          <a:prstGeom prst="bentConnector3">
+            <a:avLst>
+              <a:gd name="adj1" fmla="val 99177"/>
+            </a:avLst>
+          </a:prstGeom>
+          <a:ln w="31750">
+            <a:tailEnd type="triangle"/>
+          </a:ln>
+        </p:spPr>
+        <p:style>
+          <a:lnRef idx="1">
+            <a:schemeClr val="accent1"/>
+          </a:lnRef>
+          <a:fillRef idx="0">
+            <a:schemeClr val="accent1"/>
+          </a:fillRef>
+          <a:effectRef idx="0">
+            <a:schemeClr val="accent1"/>
+          </a:effectRef>
+          <a:fontRef idx="minor">
+            <a:schemeClr val="tx1"/>
+          </a:fontRef>
+        </p:style>
+      </p:cxnSp>
+      <p:sp>
+        <p:nvSpPr>
+          <p:cNvPr id="19" name="文字方塊 18">
+            <a:extLst>
+              <a:ext uri="{FF2B5EF4-FFF2-40B4-BE49-F238E27FC236}">
+                <a16:creationId xmlns:a16="http://schemas.microsoft.com/office/drawing/2014/main" id="{ABE96A01-9F33-65B2-39C2-0B09950E8BFF}"/>
+              </a:ext>
+            </a:extLst>
+          </p:cNvPr>
+          <p:cNvSpPr txBox="1"/>
+          <p:nvPr/>
+        </p:nvSpPr>
+        <p:spPr>
+          <a:xfrm>
+            <a:off x="9142408" y="3565775"/>
+            <a:ext cx="1294561" cy="1384995"/>
+          </a:xfrm>
+          <a:prstGeom prst="rect">
+            <a:avLst/>
+          </a:prstGeom>
+          <a:noFill/>
+        </p:spPr>
+        <p:txBody>
+          <a:bodyPr wrap="square" rtlCol="0">
+            <a:spAutoFit/>
+          </a:bodyPr>
+          <a:lstStyle/>
+          <a:p>
+            <a:pPr algn="ctr"/>
+            <a:r>
+              <a:rPr lang="en-US" altLang="zh-TW" sz="2800" dirty="0">
+                <a:solidFill>
+                  <a:schemeClr val="bg1"/>
+                </a:solidFill>
+              </a:rPr>
+              <a:t>5</a:t>
+            </a:r>
+          </a:p>
+          <a:p>
+            <a:pPr algn="ctr"/>
+            <a:r>
+              <a:rPr lang="zh-TW" altLang="en-US" sz="2800" dirty="0">
+                <a:solidFill>
+                  <a:schemeClr val="bg1"/>
+                </a:solidFill>
+              </a:rPr>
+              <a:t>讀取</a:t>
+            </a:r>
+            <a:endParaRPr lang="en-US" altLang="zh-TW" sz="2800" dirty="0">
+              <a:solidFill>
+                <a:schemeClr val="bg1"/>
+              </a:solidFill>
+            </a:endParaRPr>
+          </a:p>
+          <a:p>
+            <a:pPr algn="ctr"/>
+            <a:r>
+              <a:rPr lang="zh-TW" altLang="en-US" sz="2800" dirty="0">
+                <a:solidFill>
+                  <a:schemeClr val="bg1"/>
+                </a:solidFill>
+              </a:rPr>
+              <a:t>模型檔</a:t>
+            </a:r>
+            <a:endParaRPr lang="en-US" altLang="zh-TW" sz="2800" dirty="0">
+              <a:solidFill>
+                <a:schemeClr val="bg1"/>
+              </a:solidFill>
+            </a:endParaRPr>
+          </a:p>
+        </p:txBody>
+      </p:sp>
+      <p:cxnSp>
+        <p:nvCxnSpPr>
+          <p:cNvPr id="22" name="接點: 肘形 21">
+            <a:extLst>
+              <a:ext uri="{FF2B5EF4-FFF2-40B4-BE49-F238E27FC236}">
+                <a16:creationId xmlns:a16="http://schemas.microsoft.com/office/drawing/2014/main" id="{8835F489-47E0-9EA6-E6E0-3E8DE89B5E6E}"/>
+              </a:ext>
+            </a:extLst>
+          </p:cNvPr>
+          <p:cNvCxnSpPr>
+            <a:cxnSpLocks/>
+            <a:stCxn id="3" idx="3"/>
+          </p:cNvCxnSpPr>
+          <p:nvPr/>
+        </p:nvCxnSpPr>
+        <p:spPr>
+          <a:xfrm flipV="1">
+            <a:off x="2615909" y="3455434"/>
+            <a:ext cx="1797107" cy="1542287"/>
+          </a:xfrm>
+          <a:prstGeom prst="bentConnector3">
+            <a:avLst>
+              <a:gd name="adj1" fmla="val 64629"/>
+            </a:avLst>
+          </a:prstGeom>
+          <a:ln w="31750">
+            <a:tailEnd type="triangle"/>
+          </a:ln>
+        </p:spPr>
+        <p:style>
+          <a:lnRef idx="1">
+            <a:schemeClr val="accent1"/>
+          </a:lnRef>
+          <a:fillRef idx="0">
+            <a:schemeClr val="accent1"/>
+          </a:fillRef>
+          <a:effectRef idx="0">
+            <a:schemeClr val="accent1"/>
+          </a:effectRef>
+          <a:fontRef idx="minor">
+            <a:schemeClr val="tx1"/>
+          </a:fontRef>
+        </p:style>
+      </p:cxnSp>
+      <p:sp>
+        <p:nvSpPr>
+          <p:cNvPr id="27" name="文字方塊 26">
+            <a:extLst>
+              <a:ext uri="{FF2B5EF4-FFF2-40B4-BE49-F238E27FC236}">
+                <a16:creationId xmlns:a16="http://schemas.microsoft.com/office/drawing/2014/main" id="{81756758-FC52-D53F-5112-1646B9049365}"/>
+              </a:ext>
+            </a:extLst>
+          </p:cNvPr>
+          <p:cNvSpPr txBox="1"/>
+          <p:nvPr/>
+        </p:nvSpPr>
+        <p:spPr>
+          <a:xfrm>
+            <a:off x="2539923" y="3402566"/>
+            <a:ext cx="1261884" cy="1384995"/>
+          </a:xfrm>
+          <a:prstGeom prst="rect">
+            <a:avLst/>
+          </a:prstGeom>
+          <a:noFill/>
+        </p:spPr>
+        <p:txBody>
+          <a:bodyPr wrap="none" rtlCol="0">
+            <a:spAutoFit/>
+          </a:bodyPr>
+          <a:lstStyle/>
+          <a:p>
+            <a:pPr algn="ctr"/>
+            <a:r>
+              <a:rPr lang="en-US" altLang="zh-TW" sz="2800" dirty="0">
+                <a:solidFill>
+                  <a:schemeClr val="bg1"/>
+                </a:solidFill>
+              </a:rPr>
+              <a:t>3</a:t>
+            </a:r>
+          </a:p>
+          <a:p>
+            <a:pPr algn="ctr"/>
+            <a:r>
+              <a:rPr lang="zh-TW" altLang="en-US" sz="2800" dirty="0">
+                <a:solidFill>
+                  <a:schemeClr val="bg1"/>
+                </a:solidFill>
+              </a:rPr>
+              <a:t>選擇</a:t>
+            </a:r>
+          </a:p>
+          <a:p>
+            <a:pPr algn="ctr"/>
+            <a:r>
+              <a:rPr lang="zh-TW" altLang="en-US" sz="2800" dirty="0">
+                <a:solidFill>
+                  <a:schemeClr val="bg1"/>
+                </a:solidFill>
+              </a:rPr>
+              <a:t>模型檔</a:t>
+            </a:r>
+            <a:endParaRPr lang="en-US" altLang="zh-TW" sz="2800" dirty="0">
+              <a:solidFill>
+                <a:schemeClr val="bg1"/>
+              </a:solidFill>
+            </a:endParaRPr>
+          </a:p>
+        </p:txBody>
+      </p:sp>
+      <p:cxnSp>
+        <p:nvCxnSpPr>
+          <p:cNvPr id="51" name="接點: 肘形 50">
+            <a:extLst>
+              <a:ext uri="{FF2B5EF4-FFF2-40B4-BE49-F238E27FC236}">
+                <a16:creationId xmlns:a16="http://schemas.microsoft.com/office/drawing/2014/main" id="{7782826F-A5BA-6C74-231A-D0C607833137}"/>
+              </a:ext>
+            </a:extLst>
+          </p:cNvPr>
+          <p:cNvCxnSpPr>
+            <a:cxnSpLocks/>
+            <a:endCxn id="13" idx="1"/>
+          </p:cNvCxnSpPr>
+          <p:nvPr/>
+        </p:nvCxnSpPr>
+        <p:spPr>
+          <a:xfrm>
+            <a:off x="5204219" y="4437112"/>
+            <a:ext cx="1199729" cy="642280"/>
+          </a:xfrm>
+          <a:prstGeom prst="bentConnector3">
+            <a:avLst>
+              <a:gd name="adj1" fmla="val 22371"/>
+            </a:avLst>
+          </a:prstGeom>
+          <a:ln w="31750">
+            <a:tailEnd type="triangle"/>
+          </a:ln>
+        </p:spPr>
+        <p:style>
+          <a:lnRef idx="1">
+            <a:schemeClr val="accent1"/>
+          </a:lnRef>
+          <a:fillRef idx="0">
+            <a:schemeClr val="accent1"/>
+          </a:fillRef>
+          <a:effectRef idx="0">
+            <a:schemeClr val="accent1"/>
+          </a:effectRef>
+          <a:fontRef idx="minor">
+            <a:schemeClr val="tx1"/>
+          </a:fontRef>
+        </p:style>
+      </p:cxnSp>
+      <p:sp>
+        <p:nvSpPr>
+          <p:cNvPr id="59" name="文字方塊 58">
+            <a:extLst>
+              <a:ext uri="{FF2B5EF4-FFF2-40B4-BE49-F238E27FC236}">
+                <a16:creationId xmlns:a16="http://schemas.microsoft.com/office/drawing/2014/main" id="{D0871C4E-4F7D-2AA1-BE59-0610401E8E54}"/>
+              </a:ext>
+            </a:extLst>
+          </p:cNvPr>
+          <p:cNvSpPr txBox="1"/>
+          <p:nvPr/>
+        </p:nvSpPr>
+        <p:spPr>
+          <a:xfrm>
+            <a:off x="5320019" y="4095063"/>
+            <a:ext cx="1294561" cy="954107"/>
+          </a:xfrm>
+          <a:prstGeom prst="rect">
+            <a:avLst/>
+          </a:prstGeom>
+          <a:noFill/>
+        </p:spPr>
+        <p:txBody>
+          <a:bodyPr wrap="square" rtlCol="0">
+            <a:spAutoFit/>
+          </a:bodyPr>
+          <a:lstStyle/>
+          <a:p>
+            <a:pPr algn="ctr"/>
+            <a:r>
+              <a:rPr lang="en-US" altLang="zh-TW" sz="2800" dirty="0">
+                <a:solidFill>
+                  <a:schemeClr val="bg1"/>
+                </a:solidFill>
+              </a:rPr>
+              <a:t>4</a:t>
+            </a:r>
+          </a:p>
+          <a:p>
+            <a:pPr algn="ctr"/>
+            <a:r>
+              <a:rPr lang="zh-TW" altLang="en-US" sz="2800" dirty="0">
+                <a:solidFill>
+                  <a:schemeClr val="bg1"/>
+                </a:solidFill>
+              </a:rPr>
+              <a:t>執行</a:t>
+            </a:r>
+            <a:endParaRPr lang="en-US" altLang="zh-TW" sz="2800" dirty="0">
+              <a:solidFill>
+                <a:schemeClr val="bg1"/>
+              </a:solidFill>
+            </a:endParaRPr>
+          </a:p>
+        </p:txBody>
+      </p:sp>
+      <p:cxnSp>
+        <p:nvCxnSpPr>
+          <p:cNvPr id="61" name="接點: 肘形 60">
+            <a:extLst>
+              <a:ext uri="{FF2B5EF4-FFF2-40B4-BE49-F238E27FC236}">
+                <a16:creationId xmlns:a16="http://schemas.microsoft.com/office/drawing/2014/main" id="{C53E7801-ACC0-BB5A-D9F5-91B21A6699FF}"/>
+              </a:ext>
+            </a:extLst>
+          </p:cNvPr>
+          <p:cNvCxnSpPr>
+            <a:cxnSpLocks/>
+            <a:stCxn id="6" idx="1"/>
+          </p:cNvCxnSpPr>
+          <p:nvPr/>
+        </p:nvCxnSpPr>
+        <p:spPr>
+          <a:xfrm rot="10800000" flipV="1">
+            <a:off x="5223669" y="3066711"/>
+            <a:ext cx="1867394" cy="998129"/>
+          </a:xfrm>
+          <a:prstGeom prst="bentConnector3">
+            <a:avLst>
+              <a:gd name="adj1" fmla="val 32250"/>
+            </a:avLst>
+          </a:prstGeom>
+          <a:ln w="31750">
+            <a:tailEnd type="triangle"/>
+          </a:ln>
+        </p:spPr>
+        <p:style>
+          <a:lnRef idx="1">
+            <a:schemeClr val="accent1"/>
+          </a:lnRef>
+          <a:fillRef idx="0">
+            <a:schemeClr val="accent1"/>
+          </a:fillRef>
+          <a:effectRef idx="0">
+            <a:schemeClr val="accent1"/>
+          </a:effectRef>
+          <a:fontRef idx="minor">
+            <a:schemeClr val="tx1"/>
+          </a:fontRef>
+        </p:style>
+      </p:cxnSp>
+      <p:sp>
+        <p:nvSpPr>
+          <p:cNvPr id="65" name="文字方塊 64">
+            <a:extLst>
+              <a:ext uri="{FF2B5EF4-FFF2-40B4-BE49-F238E27FC236}">
+                <a16:creationId xmlns:a16="http://schemas.microsoft.com/office/drawing/2014/main" id="{13339B34-3B24-4552-A451-B6EBDDED3FAE}"/>
+              </a:ext>
+            </a:extLst>
+          </p:cNvPr>
+          <p:cNvSpPr txBox="1"/>
+          <p:nvPr/>
+        </p:nvSpPr>
+        <p:spPr>
+          <a:xfrm>
+            <a:off x="5173764" y="2585649"/>
+            <a:ext cx="1294561" cy="1384995"/>
+          </a:xfrm>
+          <a:prstGeom prst="rect">
+            <a:avLst/>
+          </a:prstGeom>
+          <a:noFill/>
+        </p:spPr>
+        <p:txBody>
+          <a:bodyPr wrap="square" rtlCol="0">
+            <a:spAutoFit/>
+          </a:bodyPr>
+          <a:lstStyle/>
+          <a:p>
+            <a:pPr algn="ctr"/>
+            <a:r>
+              <a:rPr lang="en-US" altLang="zh-TW" sz="2800" dirty="0">
+                <a:solidFill>
+                  <a:schemeClr val="bg1"/>
+                </a:solidFill>
+              </a:rPr>
+              <a:t>7</a:t>
+            </a:r>
+          </a:p>
+          <a:p>
+            <a:pPr algn="ctr"/>
+            <a:r>
+              <a:rPr lang="zh-TW" altLang="en-US" sz="2800" dirty="0">
+                <a:solidFill>
+                  <a:schemeClr val="bg1"/>
+                </a:solidFill>
+              </a:rPr>
+              <a:t>選取儲存位置</a:t>
+            </a:r>
+            <a:endParaRPr lang="en-US" altLang="zh-TW" sz="2800" dirty="0">
+              <a:solidFill>
+                <a:schemeClr val="bg1"/>
+              </a:solidFill>
+            </a:endParaRPr>
+          </a:p>
+        </p:txBody>
+      </p:sp>
+      <p:cxnSp>
+        <p:nvCxnSpPr>
+          <p:cNvPr id="67" name="接點: 肘形 66">
+            <a:extLst>
+              <a:ext uri="{FF2B5EF4-FFF2-40B4-BE49-F238E27FC236}">
+                <a16:creationId xmlns:a16="http://schemas.microsoft.com/office/drawing/2014/main" id="{6EA64CBE-4188-FEE9-13FF-05BC46CE63C2}"/>
+              </a:ext>
+            </a:extLst>
+          </p:cNvPr>
+          <p:cNvCxnSpPr>
+            <a:cxnSpLocks/>
+            <a:stCxn id="13" idx="0"/>
+            <a:endCxn id="6" idx="2"/>
+          </p:cNvCxnSpPr>
+          <p:nvPr/>
+        </p:nvCxnSpPr>
+        <p:spPr>
+          <a:xfrm rot="5400000" flipH="1" flipV="1">
+            <a:off x="7431068" y="3710132"/>
+            <a:ext cx="830341" cy="623623"/>
+          </a:xfrm>
+          <a:prstGeom prst="bentConnector3">
+            <a:avLst>
+              <a:gd name="adj1" fmla="val 84414"/>
+            </a:avLst>
+          </a:prstGeom>
+          <a:ln w="31750">
+            <a:tailEnd type="triangle"/>
+          </a:ln>
+        </p:spPr>
+        <p:style>
+          <a:lnRef idx="1">
+            <a:schemeClr val="accent1"/>
+          </a:lnRef>
+          <a:fillRef idx="0">
+            <a:schemeClr val="accent1"/>
+          </a:fillRef>
+          <a:effectRef idx="0">
+            <a:schemeClr val="accent1"/>
+          </a:effectRef>
+          <a:fontRef idx="minor">
+            <a:schemeClr val="tx1"/>
+          </a:fontRef>
+        </p:style>
+      </p:cxnSp>
+      <p:sp>
+        <p:nvSpPr>
+          <p:cNvPr id="70" name="文字方塊 69">
+            <a:extLst>
+              <a:ext uri="{FF2B5EF4-FFF2-40B4-BE49-F238E27FC236}">
+                <a16:creationId xmlns:a16="http://schemas.microsoft.com/office/drawing/2014/main" id="{2C33B871-F641-26CD-856E-605D6EDFC3AB}"/>
+              </a:ext>
+            </a:extLst>
+          </p:cNvPr>
+          <p:cNvSpPr txBox="1"/>
+          <p:nvPr/>
+        </p:nvSpPr>
+        <p:spPr>
+          <a:xfrm>
+            <a:off x="7687548" y="3565775"/>
+            <a:ext cx="1294561" cy="954107"/>
+          </a:xfrm>
+          <a:prstGeom prst="rect">
+            <a:avLst/>
+          </a:prstGeom>
+          <a:noFill/>
+        </p:spPr>
+        <p:txBody>
+          <a:bodyPr wrap="square" rtlCol="0">
+            <a:spAutoFit/>
+          </a:bodyPr>
+          <a:lstStyle/>
+          <a:p>
+            <a:pPr algn="ctr"/>
+            <a:r>
+              <a:rPr lang="en-US" altLang="zh-TW" sz="2800" dirty="0">
+                <a:solidFill>
+                  <a:schemeClr val="bg1"/>
+                </a:solidFill>
+              </a:rPr>
+              <a:t>6</a:t>
+            </a:r>
+          </a:p>
+          <a:p>
+            <a:pPr algn="ctr"/>
+            <a:r>
+              <a:rPr lang="zh-TW" altLang="en-US" sz="2800" dirty="0">
+                <a:solidFill>
+                  <a:schemeClr val="bg1"/>
+                </a:solidFill>
+              </a:rPr>
+              <a:t>生成</a:t>
+            </a:r>
+            <a:endParaRPr lang="en-US" altLang="zh-TW" sz="2800" dirty="0">
+              <a:solidFill>
+                <a:schemeClr val="bg1"/>
+              </a:solidFill>
+            </a:endParaRPr>
+          </a:p>
+        </p:txBody>
+      </p:sp>
+      <p:cxnSp>
+        <p:nvCxnSpPr>
+          <p:cNvPr id="4" name="接點: 肘形 3">
+            <a:extLst>
+              <a:ext uri="{FF2B5EF4-FFF2-40B4-BE49-F238E27FC236}">
+                <a16:creationId xmlns:a16="http://schemas.microsoft.com/office/drawing/2014/main" id="{74A004B1-6F88-648E-C501-75258971F272}"/>
+              </a:ext>
+            </a:extLst>
+          </p:cNvPr>
+          <p:cNvCxnSpPr>
+            <a:cxnSpLocks/>
+          </p:cNvCxnSpPr>
+          <p:nvPr/>
+        </p:nvCxnSpPr>
+        <p:spPr>
+          <a:xfrm rot="10800000" flipV="1">
+            <a:off x="5192618" y="1425008"/>
+            <a:ext cx="3798641" cy="707848"/>
+          </a:xfrm>
+          <a:prstGeom prst="bentConnector3">
+            <a:avLst>
+              <a:gd name="adj1" fmla="val 50000"/>
+            </a:avLst>
+          </a:prstGeom>
+          <a:ln w="31750">
+            <a:tailEnd type="triangle"/>
+          </a:ln>
+        </p:spPr>
+        <p:style>
+          <a:lnRef idx="1">
+            <a:schemeClr val="accent1"/>
+          </a:lnRef>
+          <a:fillRef idx="0">
+            <a:schemeClr val="accent1"/>
+          </a:fillRef>
+          <a:effectRef idx="0">
+            <a:schemeClr val="accent1"/>
+          </a:effectRef>
+          <a:fontRef idx="minor">
+            <a:schemeClr val="tx1"/>
+          </a:fontRef>
+        </p:style>
+      </p:cxnSp>
+      <p:sp>
+        <p:nvSpPr>
+          <p:cNvPr id="12" name="文字方塊 11">
+            <a:extLst>
+              <a:ext uri="{FF2B5EF4-FFF2-40B4-BE49-F238E27FC236}">
+                <a16:creationId xmlns:a16="http://schemas.microsoft.com/office/drawing/2014/main" id="{67D875E3-0001-EC39-B384-D8C59B1EFA25}"/>
+              </a:ext>
+            </a:extLst>
+          </p:cNvPr>
+          <p:cNvSpPr txBox="1"/>
+          <p:nvPr/>
+        </p:nvSpPr>
+        <p:spPr>
+          <a:xfrm>
+            <a:off x="5470520" y="791243"/>
+            <a:ext cx="1261884" cy="1384995"/>
+          </a:xfrm>
+          <a:prstGeom prst="rect">
+            <a:avLst/>
+          </a:prstGeom>
+          <a:noFill/>
+        </p:spPr>
+        <p:txBody>
+          <a:bodyPr wrap="none" rtlCol="0">
+            <a:spAutoFit/>
+          </a:bodyPr>
+          <a:lstStyle/>
+          <a:p>
+            <a:pPr algn="ctr"/>
+            <a:r>
+              <a:rPr lang="en-US" altLang="zh-TW" sz="2800" dirty="0">
+                <a:solidFill>
+                  <a:schemeClr val="bg1"/>
+                </a:solidFill>
+              </a:rPr>
+              <a:t>2</a:t>
+            </a:r>
+          </a:p>
+          <a:p>
+            <a:pPr algn="ctr"/>
+            <a:r>
+              <a:rPr lang="zh-TW" altLang="en-US" sz="2800" dirty="0">
+                <a:solidFill>
+                  <a:schemeClr val="bg1"/>
+                </a:solidFill>
+              </a:rPr>
+              <a:t>顯示</a:t>
+            </a:r>
+            <a:endParaRPr lang="en-US" altLang="zh-TW" sz="2800" dirty="0">
+              <a:solidFill>
+                <a:schemeClr val="bg1"/>
+              </a:solidFill>
+            </a:endParaRPr>
+          </a:p>
+          <a:p>
+            <a:pPr algn="ctr"/>
+            <a:r>
+              <a:rPr lang="zh-TW" altLang="en-US" sz="2800" dirty="0">
+                <a:solidFill>
+                  <a:schemeClr val="bg1"/>
+                </a:solidFill>
+              </a:rPr>
+              <a:t>模型檔</a:t>
+            </a:r>
+            <a:endParaRPr lang="en-US" altLang="zh-TW" sz="2800" dirty="0">
+              <a:solidFill>
+                <a:schemeClr val="bg1"/>
+              </a:solidFill>
+            </a:endParaRPr>
           </a:p>
         </p:txBody>
       </p:sp>
     </p:spTree>
     <p:extLst>
       <p:ext uri="{BB962C8B-B14F-4D97-AF65-F5344CB8AC3E}">
-        <p14:creationId xmlns:p14="http://schemas.microsoft.com/office/powerpoint/2010/main" val="2428064577"/>
+        <p14:creationId xmlns:p14="http://schemas.microsoft.com/office/powerpoint/2010/main" val="3453830060"/>
       </p:ext>
     </p:extLst>
   </p:cSld>
@@ -5945,10 +7038,10 @@
   </p:clrMapOvr>
   <mc:AlternateContent xmlns:mc="http://schemas.openxmlformats.org/markup-compatibility/2006" xmlns:p14="http://schemas.microsoft.com/office/powerpoint/2010/main">
     <mc:Choice Requires="p14">
-      <p:transition spd="slow" p14:dur="2000" advTm="47146"/>
+      <p:transition spd="slow" p14:dur="2000" advTm="44452"/>
     </mc:Choice>
     <mc:Fallback xmlns="">
-      <p:transition spd="slow" advTm="47146"/>
+      <p:transition spd="slow" advTm="44452"/>
     </mc:Fallback>
   </mc:AlternateContent>
 </p:sld>
@@ -6429,6 +7522,177 @@
 </file>
 
 <file path=ppt/slides/slide15.xml><?xml version="1.0" encoding="utf-8"?>
+<p:sld xmlns:a="http://schemas.openxmlformats.org/drawingml/2006/main" xmlns:r="http://schemas.openxmlformats.org/officeDocument/2006/relationships" xmlns:p="http://schemas.openxmlformats.org/presentationml/2006/main">
+  <p:cSld>
+    <p:spTree>
+      <p:nvGrpSpPr>
+        <p:cNvPr id="1" name="">
+          <a:extLst>
+            <a:ext uri="{FF2B5EF4-FFF2-40B4-BE49-F238E27FC236}">
+              <a16:creationId xmlns:a16="http://schemas.microsoft.com/office/drawing/2014/main" id="{407ED5D5-0AC2-9D96-4EFB-8CC8FA3A5E52}"/>
+            </a:ext>
+          </a:extLst>
+        </p:cNvPr>
+        <p:cNvGrpSpPr/>
+        <p:nvPr/>
+      </p:nvGrpSpPr>
+      <p:grpSpPr>
+        <a:xfrm>
+          <a:off x="0" y="0"/>
+          <a:ext cx="0" cy="0"/>
+          <a:chOff x="0" y="0"/>
+          <a:chExt cx="0" cy="0"/>
+        </a:xfrm>
+      </p:grpSpPr>
+      <p:sp>
+        <p:nvSpPr>
+          <p:cNvPr id="2" name="標題 1">
+            <a:extLst>
+              <a:ext uri="{FF2B5EF4-FFF2-40B4-BE49-F238E27FC236}">
+                <a16:creationId xmlns:a16="http://schemas.microsoft.com/office/drawing/2014/main" id="{F12B11CC-2F72-55D6-D1DA-E562DF2C3A88}"/>
+              </a:ext>
+            </a:extLst>
+          </p:cNvPr>
+          <p:cNvSpPr>
+            <a:spLocks noGrp="1"/>
+          </p:cNvSpPr>
+          <p:nvPr>
+            <p:ph type="title"/>
+          </p:nvPr>
+        </p:nvSpPr>
+        <p:spPr/>
+        <p:txBody>
+          <a:bodyPr>
+            <a:normAutofit/>
+          </a:bodyPr>
+          <a:lstStyle/>
+          <a:p>
+            <a:r>
+              <a:rPr lang="zh-TW" altLang="en-US" b="0" dirty="0">
+                <a:latin typeface="Tahoma" panose="020B0604030504040204" pitchFamily="34" charset="0"/>
+                <a:ea typeface="文鼎中圓" panose="020B0609010101010101" pitchFamily="49" charset="-120"/>
+                <a:cs typeface="Tahoma" panose="020B0604030504040204" pitchFamily="34" charset="0"/>
+              </a:rPr>
+              <a:t>未來展望</a:t>
+            </a:r>
+          </a:p>
+        </p:txBody>
+      </p:sp>
+      <p:sp>
+        <p:nvSpPr>
+          <p:cNvPr id="3" name="內容版面配置區 2">
+            <a:extLst>
+              <a:ext uri="{FF2B5EF4-FFF2-40B4-BE49-F238E27FC236}">
+                <a16:creationId xmlns:a16="http://schemas.microsoft.com/office/drawing/2014/main" id="{04C07E8E-5F0C-4280-D182-EC818731BC91}"/>
+              </a:ext>
+            </a:extLst>
+          </p:cNvPr>
+          <p:cNvSpPr>
+            <a:spLocks noGrp="1"/>
+          </p:cNvSpPr>
+          <p:nvPr>
+            <p:ph idx="1"/>
+          </p:nvPr>
+        </p:nvSpPr>
+        <p:spPr>
+          <a:xfrm>
+            <a:off x="477788" y="1474439"/>
+            <a:ext cx="10153128" cy="4474841"/>
+          </a:xfrm>
+        </p:spPr>
+        <p:txBody>
+          <a:bodyPr>
+            <a:normAutofit/>
+          </a:bodyPr>
+          <a:lstStyle/>
+          <a:p>
+            <a:r>
+              <a:rPr lang="zh-TW" altLang="en-US" sz="3000" dirty="0"/>
+              <a:t>新增更多模型種類給使用者進行選擇</a:t>
+            </a:r>
+            <a:endParaRPr lang="en-US" altLang="zh-TW" sz="3000" dirty="0"/>
+          </a:p>
+          <a:p>
+            <a:r>
+              <a:rPr lang="zh-TW" altLang="en-US" sz="3000" dirty="0"/>
+              <a:t>對於模型增加細部參數給使用這進行調整</a:t>
+            </a:r>
+            <a:endParaRPr lang="en-US" altLang="zh-TW" sz="3000" dirty="0"/>
+          </a:p>
+          <a:p>
+            <a:r>
+              <a:rPr lang="zh-TW" altLang="en-US" sz="3000" dirty="0"/>
+              <a:t>將專案移植到方便取用之地方進行</a:t>
+            </a:r>
+            <a:endParaRPr lang="en-US" altLang="zh-TW" sz="3000" dirty="0"/>
+          </a:p>
+          <a:p>
+            <a:pPr lvl="1"/>
+            <a:r>
+              <a:rPr lang="zh-TW" altLang="en-US" dirty="0"/>
+              <a:t>網路伺服器</a:t>
+            </a:r>
+            <a:endParaRPr lang="en-US" altLang="zh-TW" dirty="0"/>
+          </a:p>
+          <a:p>
+            <a:pPr lvl="1"/>
+            <a:r>
+              <a:rPr lang="en-US" altLang="zh-TW" dirty="0"/>
+              <a:t>discord</a:t>
+            </a:r>
+            <a:r>
+              <a:rPr lang="zh-TW" altLang="en-US" dirty="0"/>
+              <a:t> </a:t>
+            </a:r>
+            <a:r>
+              <a:rPr lang="en-US" altLang="zh-TW" dirty="0"/>
+              <a:t>bot(</a:t>
+            </a:r>
+            <a:r>
+              <a:rPr lang="zh-TW" altLang="en-US" dirty="0"/>
+              <a:t>需要解決檔案上傳上限之問題</a:t>
+            </a:r>
+            <a:r>
+              <a:rPr lang="en-US" altLang="zh-TW" dirty="0"/>
+              <a:t>)-&gt;</a:t>
+            </a:r>
+            <a:r>
+              <a:rPr lang="zh-TW" altLang="en-US" dirty="0"/>
+              <a:t>運用雲端硬碟進行傳輸</a:t>
+            </a:r>
+            <a:endParaRPr lang="en-US" altLang="zh-TW" dirty="0"/>
+          </a:p>
+          <a:p>
+            <a:r>
+              <a:rPr lang="zh-TW" altLang="en-US" sz="2800" dirty="0"/>
+              <a:t>將模型進行共用與比對以方便確認此專題是否已被使用過</a:t>
+            </a:r>
+            <a:endParaRPr lang="en-US" altLang="zh-TW" sz="2800" dirty="0"/>
+          </a:p>
+        </p:txBody>
+      </p:sp>
+    </p:spTree>
+    <p:extLst>
+      <p:ext uri="{BB962C8B-B14F-4D97-AF65-F5344CB8AC3E}">
+        <p14:creationId xmlns:p14="http://schemas.microsoft.com/office/powerpoint/2010/main" val="3512784697"/>
+      </p:ext>
+    </p:extLst>
+  </p:cSld>
+  <p:clrMapOvr>
+    <a:masterClrMapping/>
+  </p:clrMapOvr>
+  <mc:AlternateContent xmlns:mc="http://schemas.openxmlformats.org/markup-compatibility/2006">
+    <mc:Choice xmlns:p14="http://schemas.microsoft.com/office/powerpoint/2010/main" Requires="p14">
+      <p:transition spd="slow" p14:dur="2000" advTm="44452"/>
+    </mc:Choice>
+    <mc:Fallback>
+      <p:transition spd="slow" advTm="44452"/>
+    </mc:Fallback>
+  </mc:AlternateContent>
+</p:sld>
+</file>
+
+<file path=ppt/slides/slide16.xml><?xml version="1.0" encoding="utf-8"?>
 <p:sld xmlns:a="http://schemas.openxmlformats.org/drawingml/2006/main" xmlns:r="http://schemas.openxmlformats.org/officeDocument/2006/relationships" xmlns:p="http://schemas.openxmlformats.org/presentationml/2006/main">
   <p:cSld>
     <p:spTree>
@@ -6554,6 +7818,24 @@
           </a:p>
           <a:p>
             <a:r>
+              <a:rPr lang="zh-CN" altLang="en-US" dirty="0"/>
+              <a:t>專題目標</a:t>
+            </a:r>
+          </a:p>
+          <a:p>
+            <a:r>
+              <a:rPr lang="zh-CN" altLang="en-US" dirty="0"/>
+              <a:t>角色與責任</a:t>
+            </a:r>
+          </a:p>
+          <a:p>
+            <a:r>
+              <a:rPr lang="zh-CN" altLang="en-US" dirty="0"/>
+              <a:t>方法和工具</a:t>
+            </a:r>
+          </a:p>
+          <a:p>
+            <a:r>
               <a:rPr lang="zh-TW" altLang="en-US" dirty="0"/>
               <a:t>運作流程</a:t>
             </a:r>
@@ -6561,26 +7843,14 @@
           </a:p>
           <a:p>
             <a:r>
-              <a:rPr lang="zh-CN" altLang="en-US" dirty="0"/>
-              <a:t>專題目標</a:t>
-            </a:r>
-          </a:p>
-          <a:p>
-            <a:r>
-              <a:rPr lang="zh-CN" altLang="en-US" dirty="0"/>
-              <a:t>方法和工具</a:t>
-            </a:r>
-          </a:p>
-          <a:p>
-            <a:r>
-              <a:rPr lang="zh-CN" altLang="en-US" dirty="0"/>
-              <a:t>角色與責任</a:t>
-            </a:r>
-          </a:p>
-          <a:p>
-            <a:r>
-              <a:rPr lang="en-US" altLang="zh-TW"/>
+              <a:rPr lang="en-US" altLang="zh-TW" dirty="0"/>
               <a:t>DEMO</a:t>
+            </a:r>
+          </a:p>
+          <a:p>
+            <a:r>
+              <a:rPr lang="zh-TW" altLang="en-US" dirty="0"/>
+              <a:t>未來展望</a:t>
             </a:r>
             <a:endParaRPr lang="zh-CN" altLang="en-US" dirty="0"/>
           </a:p>
@@ -6964,6 +8234,379 @@
   <p:cSld>
     <p:spTree>
       <p:nvGrpSpPr>
+        <p:cNvPr id="1" name=""/>
+        <p:cNvGrpSpPr/>
+        <p:nvPr/>
+      </p:nvGrpSpPr>
+      <p:grpSpPr>
+        <a:xfrm>
+          <a:off x="0" y="0"/>
+          <a:ext cx="0" cy="0"/>
+          <a:chOff x="0" y="0"/>
+          <a:chExt cx="0" cy="0"/>
+        </a:xfrm>
+      </p:grpSpPr>
+      <p:sp>
+        <p:nvSpPr>
+          <p:cNvPr id="2" name="標題 1">
+            <a:extLst>
+              <a:ext uri="{FF2B5EF4-FFF2-40B4-BE49-F238E27FC236}">
+                <a16:creationId xmlns:a16="http://schemas.microsoft.com/office/drawing/2014/main" id="{6673CE01-902A-4B4F-64AA-CD0A427E8BEA}"/>
+              </a:ext>
+            </a:extLst>
+          </p:cNvPr>
+          <p:cNvSpPr>
+            <a:spLocks noGrp="1"/>
+          </p:cNvSpPr>
+          <p:nvPr>
+            <p:ph type="title"/>
+          </p:nvPr>
+        </p:nvSpPr>
+        <p:spPr/>
+        <p:txBody>
+          <a:bodyPr>
+            <a:normAutofit/>
+          </a:bodyPr>
+          <a:lstStyle/>
+          <a:p>
+            <a:r>
+              <a:rPr lang="zh-CN" altLang="en-US" sz="3600" b="0" i="0" kern="1200" spc="100" baseline="0" dirty="0">
+                <a:solidFill>
+                  <a:srgbClr val="005BAC"/>
+                </a:solidFill>
+                <a:effectLst/>
+                <a:latin typeface="+mn-ea"/>
+                <a:ea typeface="+mn-ea"/>
+                <a:cs typeface="+mj-cs"/>
+              </a:rPr>
+              <a:t>角色與責任</a:t>
+            </a:r>
+            <a:endParaRPr lang="zh-TW" altLang="en-US" dirty="0">
+              <a:latin typeface="Tahoma" panose="020B0604030504040204" pitchFamily="34" charset="0"/>
+              <a:ea typeface="文鼎中圓" panose="020B0609010101010101" pitchFamily="49" charset="-120"/>
+              <a:cs typeface="Tahoma" panose="020B0604030504040204" pitchFamily="34" charset="0"/>
+            </a:endParaRPr>
+          </a:p>
+        </p:txBody>
+      </p:sp>
+      <p:sp>
+        <p:nvSpPr>
+          <p:cNvPr id="3" name="內容版面配置區 2">
+            <a:extLst>
+              <a:ext uri="{FF2B5EF4-FFF2-40B4-BE49-F238E27FC236}">
+                <a16:creationId xmlns:a16="http://schemas.microsoft.com/office/drawing/2014/main" id="{EE04EB34-5E3B-EEB5-3327-BCE07A4C4D41}"/>
+              </a:ext>
+            </a:extLst>
+          </p:cNvPr>
+          <p:cNvSpPr>
+            <a:spLocks noGrp="1"/>
+          </p:cNvSpPr>
+          <p:nvPr>
+            <p:ph idx="1"/>
+          </p:nvPr>
+        </p:nvSpPr>
+        <p:spPr/>
+        <p:txBody>
+          <a:bodyPr/>
+          <a:lstStyle/>
+          <a:p>
+            <a:r>
+              <a:rPr lang="zh-TW" altLang="en-US" sz="2400" b="0" i="0" kern="1200" dirty="0">
+                <a:solidFill>
+                  <a:schemeClr val="bg1"/>
+                </a:solidFill>
+                <a:effectLst/>
+                <a:latin typeface="+mn-ea"/>
+                <a:ea typeface="+mn-ea"/>
+                <a:cs typeface="+mn-cs"/>
+              </a:rPr>
+              <a:t>張秉中</a:t>
+            </a:r>
+            <a:r>
+              <a:rPr lang="en-US" altLang="zh-TW" sz="2400" b="0" i="0" kern="1200" dirty="0">
+                <a:solidFill>
+                  <a:schemeClr val="bg1"/>
+                </a:solidFill>
+                <a:effectLst/>
+                <a:latin typeface="+mn-ea"/>
+                <a:ea typeface="+mn-ea"/>
+                <a:cs typeface="+mn-cs"/>
+              </a:rPr>
+              <a:t>:</a:t>
+            </a:r>
+            <a:r>
+              <a:rPr lang="zh-TW" altLang="en-US" sz="2400" b="0" i="0" kern="1200" dirty="0">
+                <a:solidFill>
+                  <a:schemeClr val="bg1"/>
+                </a:solidFill>
+                <a:effectLst/>
+                <a:latin typeface="+mn-ea"/>
+                <a:ea typeface="+mn-ea"/>
+                <a:cs typeface="+mn-cs"/>
+              </a:rPr>
+              <a:t>處理雜務與監督排程</a:t>
+            </a:r>
+            <a:endParaRPr lang="en-US" altLang="zh-TW" sz="2400" b="0" i="0" kern="1200" dirty="0">
+              <a:solidFill>
+                <a:schemeClr val="bg1"/>
+              </a:solidFill>
+              <a:effectLst/>
+              <a:latin typeface="+mn-ea"/>
+              <a:ea typeface="+mn-ea"/>
+              <a:cs typeface="+mn-cs"/>
+            </a:endParaRPr>
+          </a:p>
+          <a:p>
+            <a:r>
+              <a:rPr lang="zh-TW" altLang="en-US" dirty="0"/>
+              <a:t>高翊恩</a:t>
+            </a:r>
+            <a:r>
+              <a:rPr lang="en-US" altLang="zh-TW" dirty="0"/>
+              <a:t>:UI</a:t>
+            </a:r>
+            <a:r>
+              <a:rPr lang="zh-TW" altLang="en-US" dirty="0"/>
+              <a:t>編寫以及前端處理</a:t>
+            </a:r>
+            <a:endParaRPr lang="en-US" altLang="zh-TW" dirty="0"/>
+          </a:p>
+          <a:p>
+            <a:r>
+              <a:rPr lang="zh-TW" altLang="en-US" dirty="0"/>
+              <a:t>陳泓宇</a:t>
+            </a:r>
+            <a:r>
+              <a:rPr lang="en-US" altLang="zh-TW" dirty="0"/>
+              <a:t>:</a:t>
+            </a:r>
+            <a:r>
+              <a:rPr lang="zh-TW" altLang="en-US" dirty="0"/>
+              <a:t>編寫</a:t>
+            </a:r>
+            <a:r>
+              <a:rPr lang="en-US" altLang="zh-TW" dirty="0" err="1"/>
+              <a:t>automl</a:t>
+            </a:r>
+            <a:r>
+              <a:rPr lang="zh-TW" altLang="en-US" dirty="0"/>
+              <a:t>內部功能函式以及字串分割</a:t>
+            </a:r>
+          </a:p>
+        </p:txBody>
+      </p:sp>
+    </p:spTree>
+    <p:extLst>
+      <p:ext uri="{BB962C8B-B14F-4D97-AF65-F5344CB8AC3E}">
+        <p14:creationId xmlns:p14="http://schemas.microsoft.com/office/powerpoint/2010/main" val="2428064577"/>
+      </p:ext>
+    </p:extLst>
+  </p:cSld>
+  <p:clrMapOvr>
+    <a:masterClrMapping/>
+  </p:clrMapOvr>
+  <mc:AlternateContent xmlns:mc="http://schemas.openxmlformats.org/markup-compatibility/2006" xmlns:p14="http://schemas.microsoft.com/office/powerpoint/2010/main">
+    <mc:Choice Requires="p14">
+      <p:transition spd="slow" p14:dur="2000" advTm="47146"/>
+    </mc:Choice>
+    <mc:Fallback xmlns="">
+      <p:transition spd="slow" advTm="47146"/>
+    </mc:Fallback>
+  </mc:AlternateContent>
+</p:sld>
+</file>
+
+<file path=ppt/slides/slide6.xml><?xml version="1.0" encoding="utf-8"?>
+<p:sld xmlns:a="http://schemas.openxmlformats.org/drawingml/2006/main" xmlns:r="http://schemas.openxmlformats.org/officeDocument/2006/relationships" xmlns:p="http://schemas.openxmlformats.org/presentationml/2006/main">
+  <p:cSld>
+    <p:spTree>
+      <p:nvGrpSpPr>
+        <p:cNvPr id="1" name=""/>
+        <p:cNvGrpSpPr/>
+        <p:nvPr/>
+      </p:nvGrpSpPr>
+      <p:grpSpPr>
+        <a:xfrm>
+          <a:off x="0" y="0"/>
+          <a:ext cx="0" cy="0"/>
+          <a:chOff x="0" y="0"/>
+          <a:chExt cx="0" cy="0"/>
+        </a:xfrm>
+      </p:grpSpPr>
+      <p:sp>
+        <p:nvSpPr>
+          <p:cNvPr id="2" name="標題 1">
+            <a:extLst>
+              <a:ext uri="{FF2B5EF4-FFF2-40B4-BE49-F238E27FC236}">
+                <a16:creationId xmlns:a16="http://schemas.microsoft.com/office/drawing/2014/main" id="{542E179B-7C9E-EE8C-6FA3-2D400C118520}"/>
+              </a:ext>
+            </a:extLst>
+          </p:cNvPr>
+          <p:cNvSpPr>
+            <a:spLocks noGrp="1"/>
+          </p:cNvSpPr>
+          <p:nvPr>
+            <p:ph type="title"/>
+          </p:nvPr>
+        </p:nvSpPr>
+        <p:spPr/>
+        <p:txBody>
+          <a:bodyPr>
+            <a:normAutofit/>
+          </a:bodyPr>
+          <a:lstStyle/>
+          <a:p>
+            <a:r>
+              <a:rPr lang="zh-CN" altLang="en-US" sz="3600" b="0" i="0" kern="1200" spc="100" baseline="0" dirty="0">
+                <a:solidFill>
+                  <a:srgbClr val="005BAC"/>
+                </a:solidFill>
+                <a:effectLst/>
+                <a:latin typeface="+mn-ea"/>
+                <a:ea typeface="+mn-ea"/>
+                <a:cs typeface="+mj-cs"/>
+              </a:rPr>
+              <a:t>方法和工具</a:t>
+            </a:r>
+            <a:endParaRPr lang="zh-TW" altLang="en-US" dirty="0">
+              <a:latin typeface="Tahoma" panose="020B0604030504040204" pitchFamily="34" charset="0"/>
+              <a:ea typeface="文鼎中圓" panose="020B0609010101010101" pitchFamily="49" charset="-120"/>
+              <a:cs typeface="Tahoma" panose="020B0604030504040204" pitchFamily="34" charset="0"/>
+            </a:endParaRPr>
+          </a:p>
+        </p:txBody>
+      </p:sp>
+      <p:sp>
+        <p:nvSpPr>
+          <p:cNvPr id="3" name="內容版面配置區 2">
+            <a:extLst>
+              <a:ext uri="{FF2B5EF4-FFF2-40B4-BE49-F238E27FC236}">
+                <a16:creationId xmlns:a16="http://schemas.microsoft.com/office/drawing/2014/main" id="{BB4385B4-343D-2C0D-93FB-57A6F6A8A5B4}"/>
+              </a:ext>
+            </a:extLst>
+          </p:cNvPr>
+          <p:cNvSpPr>
+            <a:spLocks noGrp="1"/>
+          </p:cNvSpPr>
+          <p:nvPr>
+            <p:ph idx="1"/>
+          </p:nvPr>
+        </p:nvSpPr>
+        <p:spPr/>
+        <p:txBody>
+          <a:bodyPr>
+            <a:normAutofit/>
+          </a:bodyPr>
+          <a:lstStyle/>
+          <a:p>
+            <a:r>
+              <a:rPr lang="en-US" altLang="zh-TW" sz="3200" dirty="0" err="1"/>
+              <a:t>python3</a:t>
+            </a:r>
+            <a:endParaRPr lang="en-US" altLang="zh-TW" sz="3200" dirty="0"/>
+          </a:p>
+          <a:p>
+            <a:pPr lvl="1"/>
+            <a:r>
+              <a:rPr lang="en-US" altLang="zh-TW" sz="2800" dirty="0" err="1"/>
+              <a:t>PyQt6</a:t>
+            </a:r>
+            <a:r>
+              <a:rPr lang="en-US" altLang="zh-TW" sz="2800" dirty="0"/>
+              <a:t> </a:t>
+            </a:r>
+            <a:r>
+              <a:rPr lang="zh-TW" altLang="en-US" sz="2800" dirty="0"/>
+              <a:t>進行</a:t>
+            </a:r>
+            <a:r>
+              <a:rPr lang="en-US" altLang="zh-TW" sz="2800" dirty="0"/>
+              <a:t>UI</a:t>
+            </a:r>
+            <a:r>
+              <a:rPr lang="zh-TW" altLang="en-US" sz="2800" dirty="0"/>
+              <a:t>撰寫</a:t>
+            </a:r>
+            <a:endParaRPr lang="en-US" altLang="zh-TW" sz="2800" dirty="0"/>
+          </a:p>
+          <a:p>
+            <a:pPr lvl="1"/>
+            <a:r>
+              <a:rPr lang="en-US" altLang="zh-TW" sz="2800" dirty="0" err="1"/>
+              <a:t>Tensorflow</a:t>
+            </a:r>
+            <a:r>
+              <a:rPr lang="zh-TW" altLang="en-US" sz="2800" dirty="0"/>
+              <a:t>，</a:t>
+            </a:r>
+            <a:r>
+              <a:rPr lang="en-US" altLang="zh-TW" sz="2800" dirty="0" err="1"/>
+              <a:t>sklearn</a:t>
+            </a:r>
+            <a:r>
+              <a:rPr lang="zh-TW" altLang="en-US" sz="2800" dirty="0"/>
+              <a:t>進行模型建立與分析</a:t>
+            </a:r>
+            <a:endParaRPr lang="en-US" altLang="zh-TW" sz="2800" dirty="0"/>
+          </a:p>
+          <a:p>
+            <a:pPr lvl="1"/>
+            <a:r>
+              <a:rPr lang="en-US" altLang="zh-TW" sz="2800" dirty="0"/>
+              <a:t>pandas</a:t>
+            </a:r>
+            <a:r>
+              <a:rPr lang="zh-TW" altLang="en-US" sz="2800" dirty="0"/>
+              <a:t>進行數據處理</a:t>
+            </a:r>
+            <a:endParaRPr lang="en-US" altLang="zh-TW" sz="2800" dirty="0"/>
+          </a:p>
+          <a:p>
+            <a:pPr lvl="1"/>
+            <a:r>
+              <a:rPr lang="en-US" altLang="zh-TW" sz="2800" dirty="0"/>
+              <a:t>matplotlib</a:t>
+            </a:r>
+            <a:r>
+              <a:rPr lang="zh-TW" altLang="en-US" sz="2800" dirty="0"/>
+              <a:t>進行圖表製作</a:t>
+            </a:r>
+            <a:endParaRPr lang="en-US" altLang="zh-TW" sz="2800" dirty="0"/>
+          </a:p>
+          <a:p>
+            <a:endParaRPr lang="en-US" altLang="zh-TW" sz="3200" dirty="0"/>
+          </a:p>
+          <a:p>
+            <a:endParaRPr lang="en-US" altLang="zh-TW" sz="3200" dirty="0"/>
+          </a:p>
+        </p:txBody>
+      </p:sp>
+    </p:spTree>
+    <p:extLst>
+      <p:ext uri="{BB962C8B-B14F-4D97-AF65-F5344CB8AC3E}">
+        <p14:creationId xmlns:p14="http://schemas.microsoft.com/office/powerpoint/2010/main" val="3866016335"/>
+      </p:ext>
+    </p:extLst>
+  </p:cSld>
+  <p:clrMapOvr>
+    <a:masterClrMapping/>
+  </p:clrMapOvr>
+  <mc:AlternateContent xmlns:mc="http://schemas.openxmlformats.org/markup-compatibility/2006" xmlns:p14="http://schemas.microsoft.com/office/powerpoint/2010/main">
+    <mc:Choice Requires="p14">
+      <p:transition spd="slow" p14:dur="2000" advTm="41109"/>
+    </mc:Choice>
+    <mc:Fallback xmlns="">
+      <p:transition spd="slow" advTm="41109"/>
+    </mc:Fallback>
+  </mc:AlternateContent>
+</p:sld>
+</file>
+
+<file path=ppt/slides/slide7.xml><?xml version="1.0" encoding="utf-8"?>
+<p:sld xmlns:a="http://schemas.openxmlformats.org/drawingml/2006/main" xmlns:r="http://schemas.openxmlformats.org/officeDocument/2006/relationships" xmlns:p="http://schemas.openxmlformats.org/presentationml/2006/main">
+  <p:cSld>
+    <p:spTree>
+      <p:nvGrpSpPr>
         <p:cNvPr id="1" name="">
           <a:extLst>
             <a:ext uri="{FF2B5EF4-FFF2-40B4-BE49-F238E27FC236}">
@@ -7099,10 +8742,6 @@
               <a:rPr lang="zh-TW" altLang="en-US" sz="3000" dirty="0"/>
               <a:t>輸出</a:t>
             </a:r>
-            <a:r>
-              <a:rPr lang="en-US" altLang="zh-TW" sz="2799" dirty="0"/>
-              <a:t>:</a:t>
-            </a:r>
             <a:endParaRPr lang="en-US" altLang="zh-TW" sz="2399" dirty="0"/>
           </a:p>
           <a:p>
@@ -7117,7 +8756,7 @@
             <a:pPr lvl="1"/>
             <a:r>
               <a:rPr lang="zh-TW" altLang="en-US" sz="2399" dirty="0"/>
-              <a:t>輸入與結果之相關圖表</a:t>
+              <a:t>輸入與結果之相關圖表與資料</a:t>
             </a:r>
             <a:endParaRPr lang="en-US" altLang="zh-TW" sz="2399" dirty="0"/>
           </a:p>
@@ -7144,7 +8783,7 @@
 </p:sld>
 </file>
 
-<file path=ppt/slides/slide6.xml><?xml version="1.0" encoding="utf-8"?>
+<file path=ppt/slides/slide8.xml><?xml version="1.0" encoding="utf-8"?>
 <p:sld xmlns:a="http://schemas.openxmlformats.org/drawingml/2006/main" xmlns:r="http://schemas.openxmlformats.org/officeDocument/2006/relationships" xmlns:p="http://schemas.openxmlformats.org/presentationml/2006/main">
   <p:cSld>
     <p:spTree>
@@ -8200,8 +9839,8 @@
         </p:nvSpPr>
         <p:spPr>
           <a:xfrm>
-            <a:off x="6801917" y="3560669"/>
-            <a:ext cx="902811" cy="954107"/>
+            <a:off x="6130051" y="3568285"/>
+            <a:ext cx="1620957" cy="954107"/>
           </a:xfrm>
           <a:prstGeom prst="rect">
             <a:avLst/>
@@ -8232,7 +9871,7 @@
                   <a:schemeClr val="bg1"/>
                 </a:solidFill>
               </a:rPr>
-              <a:t>圖表</a:t>
+              <a:t>相關數據</a:t>
             </a:r>
             <a:endParaRPr lang="en-US" altLang="zh-TW" sz="2800" dirty="0">
               <a:solidFill>
@@ -8263,7 +9902,7 @@
 </p:sld>
 </file>
 
-<file path=ppt/slides/slide7.xml><?xml version="1.0" encoding="utf-8"?>
+<file path=ppt/slides/slide9.xml><?xml version="1.0" encoding="utf-8"?>
 <p:sld xmlns:a="http://schemas.openxmlformats.org/drawingml/2006/main" xmlns:r="http://schemas.openxmlformats.org/officeDocument/2006/relationships" xmlns:p="http://schemas.openxmlformats.org/presentationml/2006/main">
   <p:cSld>
     <p:spTree>
@@ -8371,7 +10010,7 @@
             </a:r>
             <a:r>
               <a:rPr lang="zh-TW" altLang="en-US" sz="2799" dirty="0"/>
-              <a:t>需要預測之目標資料，之前已訓練好之模型壓縮檔</a:t>
+              <a:t>需要預測之目標資料，之前已訓練好之模型檔</a:t>
             </a:r>
             <a:endParaRPr lang="en-US" altLang="zh-TW" sz="2799" dirty="0"/>
           </a:p>
@@ -8389,7 +10028,7 @@
             <a:pPr lvl="1"/>
             <a:r>
               <a:rPr lang="zh-TW" altLang="en-US" sz="2399" dirty="0"/>
-              <a:t>讀取壓縮檔，並將目標資料帶入進行預測</a:t>
+              <a:t>讀取模型檔，並將目標資料代入進行預測</a:t>
             </a:r>
             <a:endParaRPr lang="en-US" altLang="zh-TW" sz="2399" dirty="0"/>
           </a:p>
@@ -8438,1250 +10077,6 @@
     </mc:Choice>
     <mc:Fallback xmlns="">
       <p:transition spd="slow" advTm="44452"/>
-    </mc:Fallback>
-  </mc:AlternateContent>
-</p:sld>
-</file>
-
-<file path=ppt/slides/slide8.xml><?xml version="1.0" encoding="utf-8"?>
-<p:sld xmlns:a="http://schemas.openxmlformats.org/drawingml/2006/main" xmlns:r="http://schemas.openxmlformats.org/officeDocument/2006/relationships" xmlns:p="http://schemas.openxmlformats.org/presentationml/2006/main">
-  <p:cSld>
-    <p:spTree>
-      <p:nvGrpSpPr>
-        <p:cNvPr id="1" name="">
-          <a:extLst>
-            <a:ext uri="{FF2B5EF4-FFF2-40B4-BE49-F238E27FC236}">
-              <a16:creationId xmlns:a16="http://schemas.microsoft.com/office/drawing/2014/main" id="{AB88098C-74F1-31E9-6F1F-358221AB5104}"/>
-            </a:ext>
-          </a:extLst>
-        </p:cNvPr>
-        <p:cNvGrpSpPr/>
-        <p:nvPr/>
-      </p:nvGrpSpPr>
-      <p:grpSpPr>
-        <a:xfrm>
-          <a:off x="0" y="0"/>
-          <a:ext cx="0" cy="0"/>
-          <a:chOff x="0" y="0"/>
-          <a:chExt cx="0" cy="0"/>
-        </a:xfrm>
-      </p:grpSpPr>
-      <p:sp>
-        <p:nvSpPr>
-          <p:cNvPr id="2" name="標題 1">
-            <a:extLst>
-              <a:ext uri="{FF2B5EF4-FFF2-40B4-BE49-F238E27FC236}">
-                <a16:creationId xmlns:a16="http://schemas.microsoft.com/office/drawing/2014/main" id="{83F370E4-36D5-EA44-E54F-ED0F54A0E67E}"/>
-              </a:ext>
-            </a:extLst>
-          </p:cNvPr>
-          <p:cNvSpPr>
-            <a:spLocks noGrp="1"/>
-          </p:cNvSpPr>
-          <p:nvPr>
-            <p:ph type="title"/>
-          </p:nvPr>
-        </p:nvSpPr>
-        <p:spPr/>
-        <p:txBody>
-          <a:bodyPr>
-            <a:normAutofit/>
-          </a:bodyPr>
-          <a:lstStyle/>
-          <a:p>
-            <a:r>
-              <a:rPr lang="zh-TW" altLang="en-US" b="0" dirty="0">
-                <a:latin typeface="Tahoma" panose="020B0604030504040204" pitchFamily="34" charset="0"/>
-                <a:ea typeface="文鼎中圓" panose="020B0609010101010101" pitchFamily="49" charset="-120"/>
-                <a:cs typeface="Tahoma" panose="020B0604030504040204" pitchFamily="34" charset="0"/>
-              </a:rPr>
-              <a:t>運作流程</a:t>
-            </a:r>
-            <a:r>
-              <a:rPr lang="en-US" altLang="zh-TW" b="0" dirty="0">
-                <a:latin typeface="Tahoma" panose="020B0604030504040204" pitchFamily="34" charset="0"/>
-                <a:ea typeface="文鼎中圓" panose="020B0609010101010101" pitchFamily="49" charset="-120"/>
-                <a:cs typeface="Tahoma" panose="020B0604030504040204" pitchFamily="34" charset="0"/>
-              </a:rPr>
-              <a:t>(2)</a:t>
-            </a:r>
-            <a:endParaRPr lang="zh-TW" altLang="en-US" b="0" dirty="0">
-              <a:latin typeface="Tahoma" panose="020B0604030504040204" pitchFamily="34" charset="0"/>
-              <a:ea typeface="文鼎中圓" panose="020B0609010101010101" pitchFamily="49" charset="-120"/>
-              <a:cs typeface="Tahoma" panose="020B0604030504040204" pitchFamily="34" charset="0"/>
-            </a:endParaRPr>
-          </a:p>
-        </p:txBody>
-      </p:sp>
-      <p:sp>
-        <p:nvSpPr>
-          <p:cNvPr id="7" name="矩形: 圓角 6">
-            <a:extLst>
-              <a:ext uri="{FF2B5EF4-FFF2-40B4-BE49-F238E27FC236}">
-                <a16:creationId xmlns:a16="http://schemas.microsoft.com/office/drawing/2014/main" id="{0B4D5043-1C03-A996-D30F-9951B566587C}"/>
-              </a:ext>
-            </a:extLst>
-          </p:cNvPr>
-          <p:cNvSpPr/>
-          <p:nvPr/>
-        </p:nvSpPr>
-        <p:spPr>
-          <a:xfrm>
-            <a:off x="311653" y="1136329"/>
-            <a:ext cx="2304256" cy="1080120"/>
-          </a:xfrm>
-          <a:prstGeom prst="roundRect">
-            <a:avLst/>
-          </a:prstGeom>
-        </p:spPr>
-        <p:style>
-          <a:lnRef idx="2">
-            <a:schemeClr val="accent3">
-              <a:shade val="15000"/>
-            </a:schemeClr>
-          </a:lnRef>
-          <a:fillRef idx="1">
-            <a:schemeClr val="accent3"/>
-          </a:fillRef>
-          <a:effectRef idx="0">
-            <a:schemeClr val="accent3"/>
-          </a:effectRef>
-          <a:fontRef idx="minor">
-            <a:schemeClr val="lt1"/>
-          </a:fontRef>
-        </p:style>
-        <p:txBody>
-          <a:bodyPr rtlCol="0" anchor="ctr"/>
-          <a:lstStyle/>
-          <a:p>
-            <a:pPr algn="ctr"/>
-            <a:r>
-              <a:rPr lang="zh-TW" altLang="en-US" sz="3600" dirty="0">
-                <a:solidFill>
-                  <a:schemeClr val="bg1"/>
-                </a:solidFill>
-              </a:rPr>
-              <a:t>預測資料</a:t>
-            </a:r>
-            <a:endParaRPr lang="en-US" altLang="zh-TW" sz="3600" dirty="0">
-              <a:solidFill>
-                <a:schemeClr val="bg1"/>
-              </a:solidFill>
-            </a:endParaRPr>
-          </a:p>
-        </p:txBody>
-      </p:sp>
-      <p:sp>
-        <p:nvSpPr>
-          <p:cNvPr id="9" name="矩形: 圓角 8">
-            <a:extLst>
-              <a:ext uri="{FF2B5EF4-FFF2-40B4-BE49-F238E27FC236}">
-                <a16:creationId xmlns:a16="http://schemas.microsoft.com/office/drawing/2014/main" id="{C3FE0D3F-7D6C-9C70-9FE5-4A2A8010A5F3}"/>
-              </a:ext>
-            </a:extLst>
-          </p:cNvPr>
-          <p:cNvSpPr/>
-          <p:nvPr/>
-        </p:nvSpPr>
-        <p:spPr>
-          <a:xfrm>
-            <a:off x="6302529" y="1136329"/>
-            <a:ext cx="1877194" cy="1284558"/>
-          </a:xfrm>
-          <a:prstGeom prst="roundRect">
-            <a:avLst/>
-          </a:prstGeom>
-        </p:spPr>
-        <p:style>
-          <a:lnRef idx="2">
-            <a:schemeClr val="accent3">
-              <a:shade val="15000"/>
-            </a:schemeClr>
-          </a:lnRef>
-          <a:fillRef idx="1">
-            <a:schemeClr val="accent3"/>
-          </a:fillRef>
-          <a:effectRef idx="0">
-            <a:schemeClr val="accent3"/>
-          </a:effectRef>
-          <a:fontRef idx="minor">
-            <a:schemeClr val="lt1"/>
-          </a:fontRef>
-        </p:style>
-        <p:txBody>
-          <a:bodyPr rtlCol="0" anchor="ctr"/>
-          <a:lstStyle/>
-          <a:p>
-            <a:pPr algn="ctr"/>
-            <a:r>
-              <a:rPr lang="zh-TW" altLang="en-US" sz="3600" dirty="0">
-                <a:solidFill>
-                  <a:schemeClr val="bg1"/>
-                </a:solidFill>
-              </a:rPr>
-              <a:t>資料庫</a:t>
-            </a:r>
-          </a:p>
-        </p:txBody>
-      </p:sp>
-      <p:cxnSp>
-        <p:nvCxnSpPr>
-          <p:cNvPr id="21" name="接點: 肘形 20">
-            <a:extLst>
-              <a:ext uri="{FF2B5EF4-FFF2-40B4-BE49-F238E27FC236}">
-                <a16:creationId xmlns:a16="http://schemas.microsoft.com/office/drawing/2014/main" id="{1162DEDE-59EE-8FFB-265B-CF307675A4F0}"/>
-              </a:ext>
-            </a:extLst>
-          </p:cNvPr>
-          <p:cNvCxnSpPr>
-            <a:cxnSpLocks/>
-            <a:stCxn id="7" idx="3"/>
-          </p:cNvCxnSpPr>
-          <p:nvPr/>
-        </p:nvCxnSpPr>
-        <p:spPr>
-          <a:xfrm>
-            <a:off x="2615909" y="1676389"/>
-            <a:ext cx="1797110" cy="1032531"/>
-          </a:xfrm>
-          <a:prstGeom prst="bentConnector3">
-            <a:avLst>
-              <a:gd name="adj1" fmla="val 50000"/>
-            </a:avLst>
-          </a:prstGeom>
-          <a:ln w="31750">
-            <a:tailEnd type="triangle"/>
-          </a:ln>
-        </p:spPr>
-        <p:style>
-          <a:lnRef idx="1">
-            <a:schemeClr val="accent1"/>
-          </a:lnRef>
-          <a:fillRef idx="0">
-            <a:schemeClr val="accent1"/>
-          </a:fillRef>
-          <a:effectRef idx="0">
-            <a:schemeClr val="accent1"/>
-          </a:effectRef>
-          <a:fontRef idx="minor">
-            <a:schemeClr val="tx1"/>
-          </a:fontRef>
-        </p:style>
-      </p:cxnSp>
-      <p:sp>
-        <p:nvSpPr>
-          <p:cNvPr id="31" name="文字方塊 30">
-            <a:extLst>
-              <a:ext uri="{FF2B5EF4-FFF2-40B4-BE49-F238E27FC236}">
-                <a16:creationId xmlns:a16="http://schemas.microsoft.com/office/drawing/2014/main" id="{68190630-4DA6-8F9D-22E7-58C16E71FF5E}"/>
-              </a:ext>
-            </a:extLst>
-          </p:cNvPr>
-          <p:cNvSpPr txBox="1"/>
-          <p:nvPr/>
-        </p:nvSpPr>
-        <p:spPr>
-          <a:xfrm>
-            <a:off x="2684291" y="1754813"/>
-            <a:ext cx="902811" cy="954107"/>
-          </a:xfrm>
-          <a:prstGeom prst="rect">
-            <a:avLst/>
-          </a:prstGeom>
-          <a:noFill/>
-        </p:spPr>
-        <p:txBody>
-          <a:bodyPr wrap="none" rtlCol="0">
-            <a:spAutoFit/>
-          </a:bodyPr>
-          <a:lstStyle/>
-          <a:p>
-            <a:pPr algn="ctr"/>
-            <a:r>
-              <a:rPr lang="en-US" altLang="zh-TW" sz="2800" dirty="0">
-                <a:solidFill>
-                  <a:schemeClr val="bg1"/>
-                </a:solidFill>
-              </a:rPr>
-              <a:t>1</a:t>
-            </a:r>
-          </a:p>
-          <a:p>
-            <a:pPr algn="ctr"/>
-            <a:r>
-              <a:rPr lang="zh-TW" altLang="en-US" sz="2800" dirty="0">
-                <a:solidFill>
-                  <a:schemeClr val="bg1"/>
-                </a:solidFill>
-              </a:rPr>
-              <a:t>匯入</a:t>
-            </a:r>
-            <a:endParaRPr lang="en-US" altLang="zh-TW" sz="2800" dirty="0">
-              <a:solidFill>
-                <a:schemeClr val="bg1"/>
-              </a:solidFill>
-            </a:endParaRPr>
-          </a:p>
-        </p:txBody>
-      </p:sp>
-      <p:sp>
-        <p:nvSpPr>
-          <p:cNvPr id="3" name="矩形: 圓角 2">
-            <a:extLst>
-              <a:ext uri="{FF2B5EF4-FFF2-40B4-BE49-F238E27FC236}">
-                <a16:creationId xmlns:a16="http://schemas.microsoft.com/office/drawing/2014/main" id="{14E676CF-2D99-62A2-08A9-62B0A9AC929C}"/>
-              </a:ext>
-            </a:extLst>
-          </p:cNvPr>
-          <p:cNvSpPr/>
-          <p:nvPr/>
-        </p:nvSpPr>
-        <p:spPr>
-          <a:xfrm>
-            <a:off x="-48387" y="4457661"/>
-            <a:ext cx="2664296" cy="1080120"/>
-          </a:xfrm>
-          <a:prstGeom prst="roundRect">
-            <a:avLst/>
-          </a:prstGeom>
-        </p:spPr>
-        <p:style>
-          <a:lnRef idx="2">
-            <a:schemeClr val="accent3">
-              <a:shade val="15000"/>
-            </a:schemeClr>
-          </a:lnRef>
-          <a:fillRef idx="1">
-            <a:schemeClr val="accent3"/>
-          </a:fillRef>
-          <a:effectRef idx="0">
-            <a:schemeClr val="accent3"/>
-          </a:effectRef>
-          <a:fontRef idx="minor">
-            <a:schemeClr val="lt1"/>
-          </a:fontRef>
-        </p:style>
-        <p:txBody>
-          <a:bodyPr rtlCol="0" anchor="ctr"/>
-          <a:lstStyle/>
-          <a:p>
-            <a:pPr algn="ctr"/>
-            <a:r>
-              <a:rPr lang="zh-TW" altLang="en-US" sz="3600" dirty="0">
-                <a:solidFill>
-                  <a:schemeClr val="bg1"/>
-                </a:solidFill>
-              </a:rPr>
-              <a:t>模型檔選項</a:t>
-            </a:r>
-            <a:endParaRPr lang="en-US" altLang="zh-TW" sz="3600" dirty="0">
-              <a:solidFill>
-                <a:schemeClr val="bg1"/>
-              </a:solidFill>
-            </a:endParaRPr>
-          </a:p>
-        </p:txBody>
-      </p:sp>
-      <p:sp>
-        <p:nvSpPr>
-          <p:cNvPr id="6" name="矩形: 圓角 5">
-            <a:extLst>
-              <a:ext uri="{FF2B5EF4-FFF2-40B4-BE49-F238E27FC236}">
-                <a16:creationId xmlns:a16="http://schemas.microsoft.com/office/drawing/2014/main" id="{64EDB746-6C5C-BAF6-5FF2-FD411059B2DD}"/>
-              </a:ext>
-            </a:extLst>
-          </p:cNvPr>
-          <p:cNvSpPr/>
-          <p:nvPr/>
-        </p:nvSpPr>
-        <p:spPr>
-          <a:xfrm>
-            <a:off x="10054851" y="2708920"/>
-            <a:ext cx="2133973" cy="1080120"/>
-          </a:xfrm>
-          <a:prstGeom prst="roundRect">
-            <a:avLst/>
-          </a:prstGeom>
-        </p:spPr>
-        <p:style>
-          <a:lnRef idx="2">
-            <a:schemeClr val="accent3">
-              <a:shade val="15000"/>
-            </a:schemeClr>
-          </a:lnRef>
-          <a:fillRef idx="1">
-            <a:schemeClr val="accent3"/>
-          </a:fillRef>
-          <a:effectRef idx="0">
-            <a:schemeClr val="accent3"/>
-          </a:effectRef>
-          <a:fontRef idx="minor">
-            <a:schemeClr val="lt1"/>
-          </a:fontRef>
-        </p:style>
-        <p:txBody>
-          <a:bodyPr rtlCol="0" anchor="ctr"/>
-          <a:lstStyle/>
-          <a:p>
-            <a:pPr algn="ctr"/>
-            <a:r>
-              <a:rPr lang="zh-TW" altLang="en-US" sz="3600" dirty="0">
-                <a:solidFill>
-                  <a:schemeClr val="bg1"/>
-                </a:solidFill>
-              </a:rPr>
-              <a:t>預測結果</a:t>
-            </a:r>
-            <a:endParaRPr lang="en-US" altLang="zh-TW" sz="3600" dirty="0">
-              <a:solidFill>
-                <a:schemeClr val="bg1"/>
-              </a:solidFill>
-            </a:endParaRPr>
-          </a:p>
-        </p:txBody>
-      </p:sp>
-      <p:sp>
-        <p:nvSpPr>
-          <p:cNvPr id="10" name="矩形: 圓角 9">
-            <a:extLst>
-              <a:ext uri="{FF2B5EF4-FFF2-40B4-BE49-F238E27FC236}">
-                <a16:creationId xmlns:a16="http://schemas.microsoft.com/office/drawing/2014/main" id="{B9663CA4-EE92-566D-A06F-6B3127D83B81}"/>
-              </a:ext>
-            </a:extLst>
-          </p:cNvPr>
-          <p:cNvSpPr/>
-          <p:nvPr/>
-        </p:nvSpPr>
-        <p:spPr>
-          <a:xfrm>
-            <a:off x="4413019" y="1136330"/>
-            <a:ext cx="779598" cy="4585339"/>
-          </a:xfrm>
-          <a:prstGeom prst="roundRect">
-            <a:avLst/>
-          </a:prstGeom>
-        </p:spPr>
-        <p:style>
-          <a:lnRef idx="2">
-            <a:schemeClr val="accent3">
-              <a:shade val="15000"/>
-            </a:schemeClr>
-          </a:lnRef>
-          <a:fillRef idx="1">
-            <a:schemeClr val="accent3"/>
-          </a:fillRef>
-          <a:effectRef idx="0">
-            <a:schemeClr val="accent3"/>
-          </a:effectRef>
-          <a:fontRef idx="minor">
-            <a:schemeClr val="lt1"/>
-          </a:fontRef>
-        </p:style>
-        <p:txBody>
-          <a:bodyPr rtlCol="0" anchor="ctr"/>
-          <a:lstStyle/>
-          <a:p>
-            <a:pPr algn="ctr"/>
-            <a:r>
-              <a:rPr lang="en-US" altLang="zh-TW" sz="3600" dirty="0">
-                <a:solidFill>
-                  <a:schemeClr val="bg1"/>
-                </a:solidFill>
-              </a:rPr>
-              <a:t>UI</a:t>
-            </a:r>
-            <a:endParaRPr lang="zh-TW" altLang="en-US" sz="3600" dirty="0">
-              <a:solidFill>
-                <a:schemeClr val="bg1"/>
-              </a:solidFill>
-            </a:endParaRPr>
-          </a:p>
-        </p:txBody>
-      </p:sp>
-      <p:sp>
-        <p:nvSpPr>
-          <p:cNvPr id="13" name="矩形: 圓角 12">
-            <a:extLst>
-              <a:ext uri="{FF2B5EF4-FFF2-40B4-BE49-F238E27FC236}">
-                <a16:creationId xmlns:a16="http://schemas.microsoft.com/office/drawing/2014/main" id="{C9E0D90F-BA44-134F-DA9F-CEE4D82D96A9}"/>
-              </a:ext>
-            </a:extLst>
-          </p:cNvPr>
-          <p:cNvSpPr/>
-          <p:nvPr/>
-        </p:nvSpPr>
-        <p:spPr>
-          <a:xfrm>
-            <a:off x="6403948" y="4437113"/>
-            <a:ext cx="2260958" cy="1284558"/>
-          </a:xfrm>
-          <a:prstGeom prst="roundRect">
-            <a:avLst/>
-          </a:prstGeom>
-        </p:spPr>
-        <p:style>
-          <a:lnRef idx="2">
-            <a:schemeClr val="accent3">
-              <a:shade val="15000"/>
-            </a:schemeClr>
-          </a:lnRef>
-          <a:fillRef idx="1">
-            <a:schemeClr val="accent3"/>
-          </a:fillRef>
-          <a:effectRef idx="0">
-            <a:schemeClr val="accent3"/>
-          </a:effectRef>
-          <a:fontRef idx="minor">
-            <a:schemeClr val="lt1"/>
-          </a:fontRef>
-        </p:style>
-        <p:txBody>
-          <a:bodyPr rtlCol="0" anchor="ctr"/>
-          <a:lstStyle/>
-          <a:p>
-            <a:pPr algn="ctr"/>
-            <a:r>
-              <a:rPr lang="zh-TW" altLang="en-US" sz="3600" dirty="0">
-                <a:solidFill>
-                  <a:schemeClr val="bg1"/>
-                </a:solidFill>
-              </a:rPr>
-              <a:t>預測模型</a:t>
-            </a:r>
-          </a:p>
-        </p:txBody>
-      </p:sp>
-      <p:cxnSp>
-        <p:nvCxnSpPr>
-          <p:cNvPr id="14" name="接點: 肘形 13">
-            <a:extLst>
-              <a:ext uri="{FF2B5EF4-FFF2-40B4-BE49-F238E27FC236}">
-                <a16:creationId xmlns:a16="http://schemas.microsoft.com/office/drawing/2014/main" id="{5F9B24F2-0A17-5191-6AD7-90E47952DD7C}"/>
-              </a:ext>
-            </a:extLst>
-          </p:cNvPr>
-          <p:cNvCxnSpPr>
-            <a:cxnSpLocks/>
-          </p:cNvCxnSpPr>
-          <p:nvPr/>
-        </p:nvCxnSpPr>
-        <p:spPr>
-          <a:xfrm rot="5400000">
-            <a:off x="6817797" y="3443197"/>
-            <a:ext cx="2016228" cy="12700"/>
-          </a:xfrm>
-          <a:prstGeom prst="bentConnector3">
-            <a:avLst>
-              <a:gd name="adj1" fmla="val 50000"/>
-            </a:avLst>
-          </a:prstGeom>
-          <a:ln w="31750">
-            <a:tailEnd type="triangle"/>
-          </a:ln>
-        </p:spPr>
-        <p:style>
-          <a:lnRef idx="1">
-            <a:schemeClr val="accent1"/>
-          </a:lnRef>
-          <a:fillRef idx="0">
-            <a:schemeClr val="accent1"/>
-          </a:fillRef>
-          <a:effectRef idx="0">
-            <a:schemeClr val="accent1"/>
-          </a:effectRef>
-          <a:fontRef idx="minor">
-            <a:schemeClr val="tx1"/>
-          </a:fontRef>
-        </p:style>
-      </p:cxnSp>
-      <p:sp>
-        <p:nvSpPr>
-          <p:cNvPr id="19" name="文字方塊 18">
-            <a:extLst>
-              <a:ext uri="{FF2B5EF4-FFF2-40B4-BE49-F238E27FC236}">
-                <a16:creationId xmlns:a16="http://schemas.microsoft.com/office/drawing/2014/main" id="{ABE96A01-9F33-65B2-39C2-0B09950E8BFF}"/>
-              </a:ext>
-            </a:extLst>
-          </p:cNvPr>
-          <p:cNvSpPr txBox="1"/>
-          <p:nvPr/>
-        </p:nvSpPr>
-        <p:spPr>
-          <a:xfrm>
-            <a:off x="7832261" y="2355918"/>
-            <a:ext cx="1294561" cy="1384995"/>
-          </a:xfrm>
-          <a:prstGeom prst="rect">
-            <a:avLst/>
-          </a:prstGeom>
-          <a:noFill/>
-        </p:spPr>
-        <p:txBody>
-          <a:bodyPr wrap="square" rtlCol="0">
-            <a:spAutoFit/>
-          </a:bodyPr>
-          <a:lstStyle/>
-          <a:p>
-            <a:pPr algn="ctr"/>
-            <a:r>
-              <a:rPr lang="en-US" altLang="zh-TW" sz="2800" dirty="0">
-                <a:solidFill>
-                  <a:schemeClr val="bg1"/>
-                </a:solidFill>
-              </a:rPr>
-              <a:t>4</a:t>
-            </a:r>
-          </a:p>
-          <a:p>
-            <a:pPr algn="ctr"/>
-            <a:r>
-              <a:rPr lang="zh-TW" altLang="en-US" sz="2800" dirty="0">
-                <a:solidFill>
-                  <a:schemeClr val="bg1"/>
-                </a:solidFill>
-              </a:rPr>
-              <a:t>讀取</a:t>
-            </a:r>
-            <a:endParaRPr lang="en-US" altLang="zh-TW" sz="2800" dirty="0">
-              <a:solidFill>
-                <a:schemeClr val="bg1"/>
-              </a:solidFill>
-            </a:endParaRPr>
-          </a:p>
-          <a:p>
-            <a:pPr algn="ctr"/>
-            <a:r>
-              <a:rPr lang="zh-TW" altLang="en-US" sz="2800" dirty="0">
-                <a:solidFill>
-                  <a:schemeClr val="bg1"/>
-                </a:solidFill>
-              </a:rPr>
-              <a:t>模型檔</a:t>
-            </a:r>
-            <a:endParaRPr lang="en-US" altLang="zh-TW" sz="2800" dirty="0">
-              <a:solidFill>
-                <a:schemeClr val="bg1"/>
-              </a:solidFill>
-            </a:endParaRPr>
-          </a:p>
-        </p:txBody>
-      </p:sp>
-      <p:cxnSp>
-        <p:nvCxnSpPr>
-          <p:cNvPr id="22" name="接點: 肘形 21">
-            <a:extLst>
-              <a:ext uri="{FF2B5EF4-FFF2-40B4-BE49-F238E27FC236}">
-                <a16:creationId xmlns:a16="http://schemas.microsoft.com/office/drawing/2014/main" id="{8835F489-47E0-9EA6-E6E0-3E8DE89B5E6E}"/>
-              </a:ext>
-            </a:extLst>
-          </p:cNvPr>
-          <p:cNvCxnSpPr>
-            <a:cxnSpLocks/>
-            <a:stCxn id="3" idx="3"/>
-          </p:cNvCxnSpPr>
-          <p:nvPr/>
-        </p:nvCxnSpPr>
-        <p:spPr>
-          <a:xfrm flipV="1">
-            <a:off x="2615909" y="3455434"/>
-            <a:ext cx="1797107" cy="1542287"/>
-          </a:xfrm>
-          <a:prstGeom prst="bentConnector3">
-            <a:avLst>
-              <a:gd name="adj1" fmla="val 64629"/>
-            </a:avLst>
-          </a:prstGeom>
-          <a:ln w="31750">
-            <a:tailEnd type="triangle"/>
-          </a:ln>
-        </p:spPr>
-        <p:style>
-          <a:lnRef idx="1">
-            <a:schemeClr val="accent1"/>
-          </a:lnRef>
-          <a:fillRef idx="0">
-            <a:schemeClr val="accent1"/>
-          </a:fillRef>
-          <a:effectRef idx="0">
-            <a:schemeClr val="accent1"/>
-          </a:effectRef>
-          <a:fontRef idx="minor">
-            <a:schemeClr val="tx1"/>
-          </a:fontRef>
-        </p:style>
-      </p:cxnSp>
-      <p:sp>
-        <p:nvSpPr>
-          <p:cNvPr id="27" name="文字方塊 26">
-            <a:extLst>
-              <a:ext uri="{FF2B5EF4-FFF2-40B4-BE49-F238E27FC236}">
-                <a16:creationId xmlns:a16="http://schemas.microsoft.com/office/drawing/2014/main" id="{81756758-FC52-D53F-5112-1646B9049365}"/>
-              </a:ext>
-            </a:extLst>
-          </p:cNvPr>
-          <p:cNvSpPr txBox="1"/>
-          <p:nvPr/>
-        </p:nvSpPr>
-        <p:spPr>
-          <a:xfrm>
-            <a:off x="2539923" y="3402566"/>
-            <a:ext cx="1261884" cy="1384995"/>
-          </a:xfrm>
-          <a:prstGeom prst="rect">
-            <a:avLst/>
-          </a:prstGeom>
-          <a:noFill/>
-        </p:spPr>
-        <p:txBody>
-          <a:bodyPr wrap="none" rtlCol="0">
-            <a:spAutoFit/>
-          </a:bodyPr>
-          <a:lstStyle/>
-          <a:p>
-            <a:pPr algn="ctr"/>
-            <a:r>
-              <a:rPr lang="en-US" altLang="zh-TW" sz="2800" dirty="0">
-                <a:solidFill>
-                  <a:schemeClr val="bg1"/>
-                </a:solidFill>
-              </a:rPr>
-              <a:t>2</a:t>
-            </a:r>
-          </a:p>
-          <a:p>
-            <a:pPr algn="ctr"/>
-            <a:r>
-              <a:rPr lang="zh-TW" altLang="en-US" sz="2800" dirty="0">
-                <a:solidFill>
-                  <a:schemeClr val="bg1"/>
-                </a:solidFill>
-              </a:rPr>
-              <a:t>選擇</a:t>
-            </a:r>
-            <a:endParaRPr lang="en-US" altLang="zh-TW" sz="2800" dirty="0">
-              <a:solidFill>
-                <a:schemeClr val="bg1"/>
-              </a:solidFill>
-            </a:endParaRPr>
-          </a:p>
-          <a:p>
-            <a:pPr algn="ctr"/>
-            <a:r>
-              <a:rPr lang="zh-TW" altLang="en-US" sz="2800" dirty="0">
-                <a:solidFill>
-                  <a:schemeClr val="bg1"/>
-                </a:solidFill>
-              </a:rPr>
-              <a:t>模型檔</a:t>
-            </a:r>
-            <a:endParaRPr lang="en-US" altLang="zh-TW" sz="2800" dirty="0">
-              <a:solidFill>
-                <a:schemeClr val="bg1"/>
-              </a:solidFill>
-            </a:endParaRPr>
-          </a:p>
-        </p:txBody>
-      </p:sp>
-      <p:cxnSp>
-        <p:nvCxnSpPr>
-          <p:cNvPr id="51" name="接點: 肘形 50">
-            <a:extLst>
-              <a:ext uri="{FF2B5EF4-FFF2-40B4-BE49-F238E27FC236}">
-                <a16:creationId xmlns:a16="http://schemas.microsoft.com/office/drawing/2014/main" id="{7782826F-A5BA-6C74-231A-D0C607833137}"/>
-              </a:ext>
-            </a:extLst>
-          </p:cNvPr>
-          <p:cNvCxnSpPr>
-            <a:cxnSpLocks/>
-            <a:stCxn id="10" idx="3"/>
-            <a:endCxn id="13" idx="1"/>
-          </p:cNvCxnSpPr>
-          <p:nvPr/>
-        </p:nvCxnSpPr>
-        <p:spPr>
-          <a:xfrm>
-            <a:off x="5192617" y="3429000"/>
-            <a:ext cx="1211331" cy="1650392"/>
-          </a:xfrm>
-          <a:prstGeom prst="bentConnector3">
-            <a:avLst>
-              <a:gd name="adj1" fmla="val 28297"/>
-            </a:avLst>
-          </a:prstGeom>
-          <a:ln w="31750">
-            <a:tailEnd type="triangle"/>
-          </a:ln>
-        </p:spPr>
-        <p:style>
-          <a:lnRef idx="1">
-            <a:schemeClr val="accent1"/>
-          </a:lnRef>
-          <a:fillRef idx="0">
-            <a:schemeClr val="accent1"/>
-          </a:fillRef>
-          <a:effectRef idx="0">
-            <a:schemeClr val="accent1"/>
-          </a:effectRef>
-          <a:fontRef idx="minor">
-            <a:schemeClr val="tx1"/>
-          </a:fontRef>
-        </p:style>
-      </p:cxnSp>
-      <p:sp>
-        <p:nvSpPr>
-          <p:cNvPr id="59" name="文字方塊 58">
-            <a:extLst>
-              <a:ext uri="{FF2B5EF4-FFF2-40B4-BE49-F238E27FC236}">
-                <a16:creationId xmlns:a16="http://schemas.microsoft.com/office/drawing/2014/main" id="{D0871C4E-4F7D-2AA1-BE59-0610401E8E54}"/>
-              </a:ext>
-            </a:extLst>
-          </p:cNvPr>
-          <p:cNvSpPr txBox="1"/>
-          <p:nvPr/>
-        </p:nvSpPr>
-        <p:spPr>
-          <a:xfrm>
-            <a:off x="5320019" y="4095063"/>
-            <a:ext cx="1294561" cy="954107"/>
-          </a:xfrm>
-          <a:prstGeom prst="rect">
-            <a:avLst/>
-          </a:prstGeom>
-          <a:noFill/>
-        </p:spPr>
-        <p:txBody>
-          <a:bodyPr wrap="square" rtlCol="0">
-            <a:spAutoFit/>
-          </a:bodyPr>
-          <a:lstStyle/>
-          <a:p>
-            <a:pPr algn="ctr"/>
-            <a:r>
-              <a:rPr lang="en-US" altLang="zh-TW" sz="2800" dirty="0">
-                <a:solidFill>
-                  <a:schemeClr val="bg1"/>
-                </a:solidFill>
-              </a:rPr>
-              <a:t>3</a:t>
-            </a:r>
-          </a:p>
-          <a:p>
-            <a:pPr algn="ctr"/>
-            <a:r>
-              <a:rPr lang="zh-TW" altLang="en-US" sz="2800" dirty="0">
-                <a:solidFill>
-                  <a:schemeClr val="bg1"/>
-                </a:solidFill>
-              </a:rPr>
-              <a:t>執行</a:t>
-            </a:r>
-            <a:endParaRPr lang="en-US" altLang="zh-TW" sz="2800" dirty="0">
-              <a:solidFill>
-                <a:schemeClr val="bg1"/>
-              </a:solidFill>
-            </a:endParaRPr>
-          </a:p>
-        </p:txBody>
-      </p:sp>
-      <p:cxnSp>
-        <p:nvCxnSpPr>
-          <p:cNvPr id="61" name="接點: 肘形 60">
-            <a:extLst>
-              <a:ext uri="{FF2B5EF4-FFF2-40B4-BE49-F238E27FC236}">
-                <a16:creationId xmlns:a16="http://schemas.microsoft.com/office/drawing/2014/main" id="{C53E7801-ACC0-BB5A-D9F5-91B21A6699FF}"/>
-              </a:ext>
-            </a:extLst>
-          </p:cNvPr>
-          <p:cNvCxnSpPr>
-            <a:cxnSpLocks/>
-            <a:stCxn id="13" idx="0"/>
-          </p:cNvCxnSpPr>
-          <p:nvPr/>
-        </p:nvCxnSpPr>
-        <p:spPr>
-          <a:xfrm rot="16200000" flipV="1">
-            <a:off x="5542280" y="2444966"/>
-            <a:ext cx="1674174" cy="2310120"/>
-          </a:xfrm>
-          <a:prstGeom prst="bentConnector2">
-            <a:avLst/>
-          </a:prstGeom>
-          <a:ln w="31750">
-            <a:tailEnd type="triangle"/>
-          </a:ln>
-        </p:spPr>
-        <p:style>
-          <a:lnRef idx="1">
-            <a:schemeClr val="accent1"/>
-          </a:lnRef>
-          <a:fillRef idx="0">
-            <a:schemeClr val="accent1"/>
-          </a:fillRef>
-          <a:effectRef idx="0">
-            <a:schemeClr val="accent1"/>
-          </a:effectRef>
-          <a:fontRef idx="minor">
-            <a:schemeClr val="tx1"/>
-          </a:fontRef>
-        </p:style>
-      </p:cxnSp>
-      <p:sp>
-        <p:nvSpPr>
-          <p:cNvPr id="65" name="文字方塊 64">
-            <a:extLst>
-              <a:ext uri="{FF2B5EF4-FFF2-40B4-BE49-F238E27FC236}">
-                <a16:creationId xmlns:a16="http://schemas.microsoft.com/office/drawing/2014/main" id="{13339B34-3B24-4552-A451-B6EBDDED3FAE}"/>
-              </a:ext>
-            </a:extLst>
-          </p:cNvPr>
-          <p:cNvSpPr txBox="1"/>
-          <p:nvPr/>
-        </p:nvSpPr>
-        <p:spPr>
-          <a:xfrm>
-            <a:off x="6008908" y="2679846"/>
-            <a:ext cx="1294561" cy="1384995"/>
-          </a:xfrm>
-          <a:prstGeom prst="rect">
-            <a:avLst/>
-          </a:prstGeom>
-          <a:noFill/>
-        </p:spPr>
-        <p:txBody>
-          <a:bodyPr wrap="square" rtlCol="0">
-            <a:spAutoFit/>
-          </a:bodyPr>
-          <a:lstStyle/>
-          <a:p>
-            <a:pPr algn="ctr"/>
-            <a:r>
-              <a:rPr lang="en-US" altLang="zh-TW" sz="2800" dirty="0">
-                <a:solidFill>
-                  <a:schemeClr val="bg1"/>
-                </a:solidFill>
-              </a:rPr>
-              <a:t>6</a:t>
-            </a:r>
-          </a:p>
-          <a:p>
-            <a:pPr algn="ctr"/>
-            <a:r>
-              <a:rPr lang="zh-TW" altLang="en-US" sz="2800" dirty="0">
-                <a:solidFill>
-                  <a:schemeClr val="bg1"/>
-                </a:solidFill>
-              </a:rPr>
-              <a:t>選取儲存位置</a:t>
-            </a:r>
-            <a:endParaRPr lang="en-US" altLang="zh-TW" sz="2800" dirty="0">
-              <a:solidFill>
-                <a:schemeClr val="bg1"/>
-              </a:solidFill>
-            </a:endParaRPr>
-          </a:p>
-        </p:txBody>
-      </p:sp>
-      <p:cxnSp>
-        <p:nvCxnSpPr>
-          <p:cNvPr id="67" name="接點: 肘形 66">
-            <a:extLst>
-              <a:ext uri="{FF2B5EF4-FFF2-40B4-BE49-F238E27FC236}">
-                <a16:creationId xmlns:a16="http://schemas.microsoft.com/office/drawing/2014/main" id="{6EA64CBE-4188-FEE9-13FF-05BC46CE63C2}"/>
-              </a:ext>
-            </a:extLst>
-          </p:cNvPr>
-          <p:cNvCxnSpPr>
-            <a:cxnSpLocks/>
-            <a:stCxn id="13" idx="3"/>
-            <a:endCxn id="6" idx="2"/>
-          </p:cNvCxnSpPr>
-          <p:nvPr/>
-        </p:nvCxnSpPr>
-        <p:spPr>
-          <a:xfrm flipV="1">
-            <a:off x="8664906" y="3789040"/>
-            <a:ext cx="2456932" cy="1290352"/>
-          </a:xfrm>
-          <a:prstGeom prst="bentConnector2">
-            <a:avLst/>
-          </a:prstGeom>
-          <a:ln w="31750">
-            <a:tailEnd type="triangle"/>
-          </a:ln>
-        </p:spPr>
-        <p:style>
-          <a:lnRef idx="1">
-            <a:schemeClr val="accent1"/>
-          </a:lnRef>
-          <a:fillRef idx="0">
-            <a:schemeClr val="accent1"/>
-          </a:fillRef>
-          <a:effectRef idx="0">
-            <a:schemeClr val="accent1"/>
-          </a:effectRef>
-          <a:fontRef idx="minor">
-            <a:schemeClr val="tx1"/>
-          </a:fontRef>
-        </p:style>
-      </p:cxnSp>
-      <p:sp>
-        <p:nvSpPr>
-          <p:cNvPr id="70" name="文字方塊 69">
-            <a:extLst>
-              <a:ext uri="{FF2B5EF4-FFF2-40B4-BE49-F238E27FC236}">
-                <a16:creationId xmlns:a16="http://schemas.microsoft.com/office/drawing/2014/main" id="{2C33B871-F641-26CD-856E-605D6EDFC3AB}"/>
-              </a:ext>
-            </a:extLst>
-          </p:cNvPr>
-          <p:cNvSpPr txBox="1"/>
-          <p:nvPr/>
-        </p:nvSpPr>
-        <p:spPr>
-          <a:xfrm>
-            <a:off x="8991256" y="4125285"/>
-            <a:ext cx="1294561" cy="954107"/>
-          </a:xfrm>
-          <a:prstGeom prst="rect">
-            <a:avLst/>
-          </a:prstGeom>
-          <a:noFill/>
-        </p:spPr>
-        <p:txBody>
-          <a:bodyPr wrap="square" rtlCol="0">
-            <a:spAutoFit/>
-          </a:bodyPr>
-          <a:lstStyle/>
-          <a:p>
-            <a:pPr algn="ctr"/>
-            <a:r>
-              <a:rPr lang="en-US" altLang="zh-TW" sz="2800" dirty="0">
-                <a:solidFill>
-                  <a:schemeClr val="bg1"/>
-                </a:solidFill>
-              </a:rPr>
-              <a:t>5</a:t>
-            </a:r>
-          </a:p>
-          <a:p>
-            <a:pPr algn="ctr"/>
-            <a:r>
-              <a:rPr lang="zh-TW" altLang="en-US" sz="2800" dirty="0">
-                <a:solidFill>
-                  <a:schemeClr val="bg1"/>
-                </a:solidFill>
-              </a:rPr>
-              <a:t>生成</a:t>
-            </a:r>
-            <a:endParaRPr lang="en-US" altLang="zh-TW" sz="2800" dirty="0">
-              <a:solidFill>
-                <a:schemeClr val="bg1"/>
-              </a:solidFill>
-            </a:endParaRPr>
-          </a:p>
-        </p:txBody>
-      </p:sp>
-    </p:spTree>
-    <p:extLst>
-      <p:ext uri="{BB962C8B-B14F-4D97-AF65-F5344CB8AC3E}">
-        <p14:creationId xmlns:p14="http://schemas.microsoft.com/office/powerpoint/2010/main" val="3453830060"/>
-      </p:ext>
-    </p:extLst>
-  </p:cSld>
-  <p:clrMapOvr>
-    <a:masterClrMapping/>
-  </p:clrMapOvr>
-  <mc:AlternateContent xmlns:mc="http://schemas.openxmlformats.org/markup-compatibility/2006" xmlns:p14="http://schemas.microsoft.com/office/powerpoint/2010/main">
-    <mc:Choice Requires="p14">
-      <p:transition spd="slow" p14:dur="2000" advTm="44452"/>
-    </mc:Choice>
-    <mc:Fallback xmlns="">
-      <p:transition spd="slow" advTm="44452"/>
-    </mc:Fallback>
-  </mc:AlternateContent>
-</p:sld>
-</file>
-
-<file path=ppt/slides/slide9.xml><?xml version="1.0" encoding="utf-8"?>
-<p:sld xmlns:a="http://schemas.openxmlformats.org/drawingml/2006/main" xmlns:r="http://schemas.openxmlformats.org/officeDocument/2006/relationships" xmlns:p="http://schemas.openxmlformats.org/presentationml/2006/main">
-  <p:cSld>
-    <p:spTree>
-      <p:nvGrpSpPr>
-        <p:cNvPr id="1" name=""/>
-        <p:cNvGrpSpPr/>
-        <p:nvPr/>
-      </p:nvGrpSpPr>
-      <p:grpSpPr>
-        <a:xfrm>
-          <a:off x="0" y="0"/>
-          <a:ext cx="0" cy="0"/>
-          <a:chOff x="0" y="0"/>
-          <a:chExt cx="0" cy="0"/>
-        </a:xfrm>
-      </p:grpSpPr>
-      <p:sp>
-        <p:nvSpPr>
-          <p:cNvPr id="2" name="標題 1">
-            <a:extLst>
-              <a:ext uri="{FF2B5EF4-FFF2-40B4-BE49-F238E27FC236}">
-                <a16:creationId xmlns:a16="http://schemas.microsoft.com/office/drawing/2014/main" id="{542E179B-7C9E-EE8C-6FA3-2D400C118520}"/>
-              </a:ext>
-            </a:extLst>
-          </p:cNvPr>
-          <p:cNvSpPr>
-            <a:spLocks noGrp="1"/>
-          </p:cNvSpPr>
-          <p:nvPr>
-            <p:ph type="title"/>
-          </p:nvPr>
-        </p:nvSpPr>
-        <p:spPr/>
-        <p:txBody>
-          <a:bodyPr>
-            <a:normAutofit/>
-          </a:bodyPr>
-          <a:lstStyle/>
-          <a:p>
-            <a:r>
-              <a:rPr lang="zh-CN" altLang="en-US" sz="3600" b="0" i="0" kern="1200" spc="100" baseline="0" dirty="0">
-                <a:solidFill>
-                  <a:srgbClr val="005BAC"/>
-                </a:solidFill>
-                <a:effectLst/>
-                <a:latin typeface="+mn-ea"/>
-                <a:ea typeface="+mn-ea"/>
-                <a:cs typeface="+mj-cs"/>
-              </a:rPr>
-              <a:t>方法和工具</a:t>
-            </a:r>
-            <a:endParaRPr lang="zh-TW" altLang="en-US" dirty="0">
-              <a:latin typeface="Tahoma" panose="020B0604030504040204" pitchFamily="34" charset="0"/>
-              <a:ea typeface="文鼎中圓" panose="020B0609010101010101" pitchFamily="49" charset="-120"/>
-              <a:cs typeface="Tahoma" panose="020B0604030504040204" pitchFamily="34" charset="0"/>
-            </a:endParaRPr>
-          </a:p>
-        </p:txBody>
-      </p:sp>
-      <p:sp>
-        <p:nvSpPr>
-          <p:cNvPr id="3" name="內容版面配置區 2">
-            <a:extLst>
-              <a:ext uri="{FF2B5EF4-FFF2-40B4-BE49-F238E27FC236}">
-                <a16:creationId xmlns:a16="http://schemas.microsoft.com/office/drawing/2014/main" id="{BB4385B4-343D-2C0D-93FB-57A6F6A8A5B4}"/>
-              </a:ext>
-            </a:extLst>
-          </p:cNvPr>
-          <p:cNvSpPr>
-            <a:spLocks noGrp="1"/>
-          </p:cNvSpPr>
-          <p:nvPr>
-            <p:ph idx="1"/>
-          </p:nvPr>
-        </p:nvSpPr>
-        <p:spPr/>
-        <p:txBody>
-          <a:bodyPr>
-            <a:normAutofit/>
-          </a:bodyPr>
-          <a:lstStyle/>
-          <a:p>
-            <a:r>
-              <a:rPr lang="en-US" altLang="zh-TW" sz="3200" dirty="0" err="1"/>
-              <a:t>python3</a:t>
-            </a:r>
-            <a:endParaRPr lang="en-US" altLang="zh-TW" sz="3200" dirty="0"/>
-          </a:p>
-          <a:p>
-            <a:pPr lvl="1"/>
-            <a:r>
-              <a:rPr lang="en-US" altLang="zh-TW" sz="2800" dirty="0" err="1"/>
-              <a:t>PyQt6</a:t>
-            </a:r>
-            <a:r>
-              <a:rPr lang="en-US" altLang="zh-TW" sz="2800" dirty="0"/>
-              <a:t> </a:t>
-            </a:r>
-            <a:r>
-              <a:rPr lang="zh-TW" altLang="en-US" sz="2800" dirty="0"/>
-              <a:t>進行</a:t>
-            </a:r>
-            <a:r>
-              <a:rPr lang="en-US" altLang="zh-TW" sz="2800" dirty="0"/>
-              <a:t>UI</a:t>
-            </a:r>
-            <a:r>
-              <a:rPr lang="zh-TW" altLang="en-US" sz="2800" dirty="0"/>
-              <a:t>撰寫</a:t>
-            </a:r>
-            <a:endParaRPr lang="en-US" altLang="zh-TW" sz="2800" dirty="0"/>
-          </a:p>
-          <a:p>
-            <a:pPr lvl="1"/>
-            <a:r>
-              <a:rPr lang="en-US" altLang="zh-TW" sz="2800" dirty="0" err="1"/>
-              <a:t>Tensorflow</a:t>
-            </a:r>
-            <a:r>
-              <a:rPr lang="zh-TW" altLang="en-US" sz="2800" dirty="0"/>
-              <a:t>，</a:t>
-            </a:r>
-            <a:r>
-              <a:rPr lang="en-US" altLang="zh-TW" sz="2800" dirty="0" err="1"/>
-              <a:t>sklearn</a:t>
-            </a:r>
-            <a:r>
-              <a:rPr lang="zh-TW" altLang="en-US" sz="2800" dirty="0"/>
-              <a:t>進行模型建立</a:t>
-            </a:r>
-            <a:endParaRPr lang="en-US" altLang="zh-TW" sz="2800" dirty="0"/>
-          </a:p>
-          <a:p>
-            <a:pPr lvl="1"/>
-            <a:r>
-              <a:rPr lang="en-US" altLang="zh-TW" sz="2800" dirty="0"/>
-              <a:t>pandas</a:t>
-            </a:r>
-            <a:r>
-              <a:rPr lang="zh-TW" altLang="en-US" sz="2800" dirty="0"/>
-              <a:t>進行數據處理</a:t>
-            </a:r>
-            <a:endParaRPr lang="en-US" altLang="zh-TW" sz="2800" dirty="0"/>
-          </a:p>
-          <a:p>
-            <a:pPr lvl="1"/>
-            <a:r>
-              <a:rPr lang="en-US" altLang="zh-TW" sz="2800" dirty="0"/>
-              <a:t>matplotlib</a:t>
-            </a:r>
-            <a:r>
-              <a:rPr lang="zh-TW" altLang="en-US" sz="2800" dirty="0"/>
-              <a:t>進行圖表製作</a:t>
-            </a:r>
-            <a:endParaRPr lang="en-US" altLang="zh-TW" sz="2800" dirty="0"/>
-          </a:p>
-          <a:p>
-            <a:endParaRPr lang="en-US" altLang="zh-TW" sz="3200" dirty="0"/>
-          </a:p>
-          <a:p>
-            <a:endParaRPr lang="en-US" altLang="zh-TW" sz="3200" dirty="0"/>
-          </a:p>
-        </p:txBody>
-      </p:sp>
-    </p:spTree>
-    <p:extLst>
-      <p:ext uri="{BB962C8B-B14F-4D97-AF65-F5344CB8AC3E}">
-        <p14:creationId xmlns:p14="http://schemas.microsoft.com/office/powerpoint/2010/main" val="3866016335"/>
-      </p:ext>
-    </p:extLst>
-  </p:cSld>
-  <p:clrMapOvr>
-    <a:masterClrMapping/>
-  </p:clrMapOvr>
-  <mc:AlternateContent xmlns:mc="http://schemas.openxmlformats.org/markup-compatibility/2006" xmlns:p14="http://schemas.microsoft.com/office/powerpoint/2010/main">
-    <mc:Choice Requires="p14">
-      <p:transition spd="slow" p14:dur="2000" advTm="41109"/>
-    </mc:Choice>
-    <mc:Fallback xmlns="">
-      <p:transition spd="slow" advTm="41109"/>
     </mc:Fallback>
   </mc:AlternateContent>
 </p:sld>
@@ -10467,133 +10862,6 @@
 </file>
 
 <file path=customXml/item1.xml><?xml version="1.0" encoding="utf-8"?>
-<p:properties xmlns:p="http://schemas.microsoft.com/office/2006/metadata/properties" xmlns:xsi="http://www.w3.org/2001/XMLSchema-instance" xmlns:pc="http://schemas.microsoft.com/office/infopath/2007/PartnerControls">
-  <documentManagement>
-    <DirectSourceMarket xmlns="4873beb7-5857-4685-be1f-d57550cc96cc" xsi:nil="true"/>
-    <ApprovalStatus xmlns="4873beb7-5857-4685-be1f-d57550cc96cc">InProgress</ApprovalStatus>
-    <MarketSpecific xmlns="4873beb7-5857-4685-be1f-d57550cc96cc">false</MarketSpecific>
-    <LocComments xmlns="4873beb7-5857-4685-be1f-d57550cc96cc" xsi:nil="true"/>
-    <ThumbnailAssetId xmlns="4873beb7-5857-4685-be1f-d57550cc96cc" xsi:nil="true"/>
-    <PrimaryImageGen xmlns="4873beb7-5857-4685-be1f-d57550cc96cc">true</PrimaryImageGen>
-    <LegacyData xmlns="4873beb7-5857-4685-be1f-d57550cc96cc" xsi:nil="true"/>
-    <LocRecommendedHandoff xmlns="4873beb7-5857-4685-be1f-d57550cc96cc" xsi:nil="true"/>
-    <BusinessGroup xmlns="4873beb7-5857-4685-be1f-d57550cc96cc" xsi:nil="true"/>
-    <BlockPublish xmlns="4873beb7-5857-4685-be1f-d57550cc96cc">false</BlockPublish>
-    <TPFriendlyName xmlns="4873beb7-5857-4685-be1f-d57550cc96cc" xsi:nil="true"/>
-    <NumericId xmlns="4873beb7-5857-4685-be1f-d57550cc96cc" xsi:nil="true"/>
-    <APEditor xmlns="4873beb7-5857-4685-be1f-d57550cc96cc">
-      <UserInfo>
-        <DisplayName/>
-        <AccountId xsi:nil="true"/>
-        <AccountType/>
-      </UserInfo>
-    </APEditor>
-    <SourceTitle xmlns="4873beb7-5857-4685-be1f-d57550cc96cc" xsi:nil="true"/>
-    <OpenTemplate xmlns="4873beb7-5857-4685-be1f-d57550cc96cc">true</OpenTemplate>
-    <UALocComments xmlns="4873beb7-5857-4685-be1f-d57550cc96cc" xsi:nil="true"/>
-    <ParentAssetId xmlns="4873beb7-5857-4685-be1f-d57550cc96cc" xsi:nil="true"/>
-    <IntlLangReviewDate xmlns="4873beb7-5857-4685-be1f-d57550cc96cc" xsi:nil="true"/>
-    <FeatureTagsTaxHTField0 xmlns="4873beb7-5857-4685-be1f-d57550cc96cc">
-      <Terms xmlns="http://schemas.microsoft.com/office/infopath/2007/PartnerControls"/>
-    </FeatureTagsTaxHTField0>
-    <PublishStatusLookup xmlns="4873beb7-5857-4685-be1f-d57550cc96cc">
-      <Value>1564227</Value>
-    </PublishStatusLookup>
-    <Providers xmlns="4873beb7-5857-4685-be1f-d57550cc96cc" xsi:nil="true"/>
-    <MachineTranslated xmlns="4873beb7-5857-4685-be1f-d57550cc96cc">false</MachineTranslated>
-    <OriginalSourceMarket xmlns="4873beb7-5857-4685-be1f-d57550cc96cc" xsi:nil="true"/>
-    <APDescription xmlns="4873beb7-5857-4685-be1f-d57550cc96cc">Take your audience through a digital tunnel where they'll  burst through to the other side and see the information you want to present. Show them lists, charts, tables, SmartArt,  and pictures using a variety of layouts in widescreen (16X9) format. This design works well for subjects on science and technology, computers, communication, and more.   
-</APDescription>
-    <ClipArtFilename xmlns="4873beb7-5857-4685-be1f-d57550cc96cc" xsi:nil="true"/>
-    <ContentItem xmlns="4873beb7-5857-4685-be1f-d57550cc96cc" xsi:nil="true"/>
-    <TPInstallLocation xmlns="4873beb7-5857-4685-be1f-d57550cc96cc" xsi:nil="true"/>
-    <PublishTargets xmlns="4873beb7-5857-4685-be1f-d57550cc96cc">OfficeOnlineVNext</PublishTargets>
-    <TimesCloned xmlns="4873beb7-5857-4685-be1f-d57550cc96cc" xsi:nil="true"/>
-    <AssetStart xmlns="4873beb7-5857-4685-be1f-d57550cc96cc">2012-05-11T02:04:00+00:00</AssetStart>
-    <Provider xmlns="4873beb7-5857-4685-be1f-d57550cc96cc" xsi:nil="true"/>
-    <AcquiredFrom xmlns="4873beb7-5857-4685-be1f-d57550cc96cc">Internal MS</AcquiredFrom>
-    <FriendlyTitle xmlns="4873beb7-5857-4685-be1f-d57550cc96cc" xsi:nil="true"/>
-    <LastHandOff xmlns="4873beb7-5857-4685-be1f-d57550cc96cc" xsi:nil="true"/>
-    <TPClientViewer xmlns="4873beb7-5857-4685-be1f-d57550cc96cc" xsi:nil="true"/>
-    <UACurrentWords xmlns="4873beb7-5857-4685-be1f-d57550cc96cc" xsi:nil="true"/>
-    <ArtSampleDocs xmlns="4873beb7-5857-4685-be1f-d57550cc96cc" xsi:nil="true"/>
-    <UALocRecommendation xmlns="4873beb7-5857-4685-be1f-d57550cc96cc">Localize</UALocRecommendation>
-    <Manager xmlns="4873beb7-5857-4685-be1f-d57550cc96cc" xsi:nil="true"/>
-    <ShowIn xmlns="4873beb7-5857-4685-be1f-d57550cc96cc">Show everywhere</ShowIn>
-    <UANotes xmlns="4873beb7-5857-4685-be1f-d57550cc96cc" xsi:nil="true"/>
-    <TemplateStatus xmlns="4873beb7-5857-4685-be1f-d57550cc96cc">Complete</TemplateStatus>
-    <InternalTagsTaxHTField0 xmlns="4873beb7-5857-4685-be1f-d57550cc96cc">
-      <Terms xmlns="http://schemas.microsoft.com/office/infopath/2007/PartnerControls"/>
-    </InternalTagsTaxHTField0>
-    <CSXHash xmlns="4873beb7-5857-4685-be1f-d57550cc96cc" xsi:nil="true"/>
-    <Downloads xmlns="4873beb7-5857-4685-be1f-d57550cc96cc">0</Downloads>
-    <VoteCount xmlns="4873beb7-5857-4685-be1f-d57550cc96cc" xsi:nil="true"/>
-    <OOCacheId xmlns="4873beb7-5857-4685-be1f-d57550cc96cc" xsi:nil="true"/>
-    <IsDeleted xmlns="4873beb7-5857-4685-be1f-d57550cc96cc">false</IsDeleted>
-    <AssetExpire xmlns="4873beb7-5857-4685-be1f-d57550cc96cc">2029-01-01T08:00:00+00:00</AssetExpire>
-    <DSATActionTaken xmlns="4873beb7-5857-4685-be1f-d57550cc96cc" xsi:nil="true"/>
-    <CSXSubmissionMarket xmlns="4873beb7-5857-4685-be1f-d57550cc96cc" xsi:nil="true"/>
-    <TPExecutable xmlns="4873beb7-5857-4685-be1f-d57550cc96cc" xsi:nil="true"/>
-    <SubmitterId xmlns="4873beb7-5857-4685-be1f-d57550cc96cc" xsi:nil="true"/>
-    <EditorialTags xmlns="4873beb7-5857-4685-be1f-d57550cc96cc" xsi:nil="true"/>
-    <ApprovalLog xmlns="4873beb7-5857-4685-be1f-d57550cc96cc" xsi:nil="true"/>
-    <AssetType xmlns="4873beb7-5857-4685-be1f-d57550cc96cc">TP</AssetType>
-    <BugNumber xmlns="4873beb7-5857-4685-be1f-d57550cc96cc" xsi:nil="true"/>
-    <CSXSubmissionDate xmlns="4873beb7-5857-4685-be1f-d57550cc96cc" xsi:nil="true"/>
-    <CSXUpdate xmlns="4873beb7-5857-4685-be1f-d57550cc96cc">false</CSXUpdate>
-    <Milestone xmlns="4873beb7-5857-4685-be1f-d57550cc96cc" xsi:nil="true"/>
-    <RecommendationsModifier xmlns="4873beb7-5857-4685-be1f-d57550cc96cc" xsi:nil="true"/>
-    <OriginAsset xmlns="4873beb7-5857-4685-be1f-d57550cc96cc" xsi:nil="true"/>
-    <TPComponent xmlns="4873beb7-5857-4685-be1f-d57550cc96cc" xsi:nil="true"/>
-    <AssetId xmlns="4873beb7-5857-4685-be1f-d57550cc96cc">TP102895246</AssetId>
-    <IntlLocPriority xmlns="4873beb7-5857-4685-be1f-d57550cc96cc" xsi:nil="true"/>
-    <PolicheckWords xmlns="4873beb7-5857-4685-be1f-d57550cc96cc" xsi:nil="true"/>
-    <TPLaunchHelpLink xmlns="4873beb7-5857-4685-be1f-d57550cc96cc" xsi:nil="true"/>
-    <TPApplication xmlns="4873beb7-5857-4685-be1f-d57550cc96cc" xsi:nil="true"/>
-    <CrawlForDependencies xmlns="4873beb7-5857-4685-be1f-d57550cc96cc">false</CrawlForDependencies>
-    <HandoffToMSDN xmlns="4873beb7-5857-4685-be1f-d57550cc96cc" xsi:nil="true"/>
-    <PlannedPubDate xmlns="4873beb7-5857-4685-be1f-d57550cc96cc" xsi:nil="true"/>
-    <IntlLangReviewer xmlns="4873beb7-5857-4685-be1f-d57550cc96cc" xsi:nil="true"/>
-    <TrustLevel xmlns="4873beb7-5857-4685-be1f-d57550cc96cc">1 Microsoft Managed Content</TrustLevel>
-    <LocLastLocAttemptVersionLookup xmlns="4873beb7-5857-4685-be1f-d57550cc96cc">835483</LocLastLocAttemptVersionLookup>
-    <IsSearchable xmlns="4873beb7-5857-4685-be1f-d57550cc96cc">true</IsSearchable>
-    <TemplateTemplateType xmlns="4873beb7-5857-4685-be1f-d57550cc96cc">PowerPoint Presentation Template</TemplateTemplateType>
-    <CampaignTagsTaxHTField0 xmlns="4873beb7-5857-4685-be1f-d57550cc96cc">
-      <Terms xmlns="http://schemas.microsoft.com/office/infopath/2007/PartnerControls"/>
-    </CampaignTagsTaxHTField0>
-    <TPNamespace xmlns="4873beb7-5857-4685-be1f-d57550cc96cc" xsi:nil="true"/>
-    <TaxCatchAll xmlns="4873beb7-5857-4685-be1f-d57550cc96cc"/>
-    <Markets xmlns="4873beb7-5857-4685-be1f-d57550cc96cc"/>
-    <UAProjectedTotalWords xmlns="4873beb7-5857-4685-be1f-d57550cc96cc" xsi:nil="true"/>
-    <IntlLangReview xmlns="4873beb7-5857-4685-be1f-d57550cc96cc">false</IntlLangReview>
-    <OutputCachingOn xmlns="4873beb7-5857-4685-be1f-d57550cc96cc">false</OutputCachingOn>
-    <AverageRating xmlns="4873beb7-5857-4685-be1f-d57550cc96cc" xsi:nil="true"/>
-    <APAuthor xmlns="4873beb7-5857-4685-be1f-d57550cc96cc">
-      <UserInfo>
-        <DisplayName>REDMOND\v-vaddu</DisplayName>
-        <AccountId>2567</AccountId>
-        <AccountType/>
-      </UserInfo>
-    </APAuthor>
-    <LocManualTestRequired xmlns="4873beb7-5857-4685-be1f-d57550cc96cc">false</LocManualTestRequired>
-    <TPCommandLine xmlns="4873beb7-5857-4685-be1f-d57550cc96cc" xsi:nil="true"/>
-    <TPAppVersion xmlns="4873beb7-5857-4685-be1f-d57550cc96cc" xsi:nil="true"/>
-    <EditorialStatus xmlns="4873beb7-5857-4685-be1f-d57550cc96cc">Complete</EditorialStatus>
-    <LastModifiedDateTime xmlns="4873beb7-5857-4685-be1f-d57550cc96cc" xsi:nil="true"/>
-    <ScenarioTagsTaxHTField0 xmlns="4873beb7-5857-4685-be1f-d57550cc96cc">
-      <Terms xmlns="http://schemas.microsoft.com/office/infopath/2007/PartnerControls"/>
-    </ScenarioTagsTaxHTField0>
-    <OriginalRelease xmlns="4873beb7-5857-4685-be1f-d57550cc96cc">15</OriginalRelease>
-    <TPLaunchHelpLinkType xmlns="4873beb7-5857-4685-be1f-d57550cc96cc">Template</TPLaunchHelpLinkType>
-    <LocalizationTagsTaxHTField0 xmlns="4873beb7-5857-4685-be1f-d57550cc96cc">
-      <Terms xmlns="http://schemas.microsoft.com/office/infopath/2007/PartnerControls"/>
-    </LocalizationTagsTaxHTField0>
-    <LocMarketGroupTiers2 xmlns="4873beb7-5857-4685-be1f-d57550cc96cc" xsi:nil="true"/>
-  </documentManagement>
-</p:properties>
-</file>
-
-<file path=customXml/item2.xml><?xml version="1.0" encoding="utf-8"?>
 <ct:contentTypeSchema xmlns:ct="http://schemas.microsoft.com/office/2006/metadata/contentType" xmlns:ma="http://schemas.microsoft.com/office/2006/metadata/properties/metaAttributes" ct:_="" ma:_="" ma:contentTypeName="TemplateFile" ma:contentTypeID="0x0101006EDDDB5EE6D98C44930B742096920B300400F5B6D36B3EF94B4E9A635CDF2A18F5B8" ma:contentTypeVersion="72" ma:contentTypeDescription="Create a new document." ma:contentTypeScope="" ma:versionID="a23e56308344d904b51738559c3d67c9">
   <xsd:schema xmlns:xsd="http://www.w3.org/2001/XMLSchema" xmlns:xs="http://www.w3.org/2001/XMLSchema" xmlns:p="http://schemas.microsoft.com/office/2006/metadata/properties" xmlns:ns2="4873beb7-5857-4685-be1f-d57550cc96cc" targetNamespace="http://schemas.microsoft.com/office/2006/metadata/properties" ma:root="true" ma:fieldsID="cd0908cc4600e77bf5da051303e00c8d" ns2:_="">
     <xsd:import namespace="4873beb7-5857-4685-be1f-d57550cc96cc"/>
@@ -11633,6 +11901,133 @@
 </ct:contentTypeSchema>
 </file>
 
+<file path=customXml/item2.xml><?xml version="1.0" encoding="utf-8"?>
+<p:properties xmlns:p="http://schemas.microsoft.com/office/2006/metadata/properties" xmlns:xsi="http://www.w3.org/2001/XMLSchema-instance" xmlns:pc="http://schemas.microsoft.com/office/infopath/2007/PartnerControls">
+  <documentManagement>
+    <DirectSourceMarket xmlns="4873beb7-5857-4685-be1f-d57550cc96cc" xsi:nil="true"/>
+    <ApprovalStatus xmlns="4873beb7-5857-4685-be1f-d57550cc96cc">InProgress</ApprovalStatus>
+    <MarketSpecific xmlns="4873beb7-5857-4685-be1f-d57550cc96cc">false</MarketSpecific>
+    <LocComments xmlns="4873beb7-5857-4685-be1f-d57550cc96cc" xsi:nil="true"/>
+    <ThumbnailAssetId xmlns="4873beb7-5857-4685-be1f-d57550cc96cc" xsi:nil="true"/>
+    <PrimaryImageGen xmlns="4873beb7-5857-4685-be1f-d57550cc96cc">true</PrimaryImageGen>
+    <LegacyData xmlns="4873beb7-5857-4685-be1f-d57550cc96cc" xsi:nil="true"/>
+    <LocRecommendedHandoff xmlns="4873beb7-5857-4685-be1f-d57550cc96cc" xsi:nil="true"/>
+    <BusinessGroup xmlns="4873beb7-5857-4685-be1f-d57550cc96cc" xsi:nil="true"/>
+    <BlockPublish xmlns="4873beb7-5857-4685-be1f-d57550cc96cc">false</BlockPublish>
+    <TPFriendlyName xmlns="4873beb7-5857-4685-be1f-d57550cc96cc" xsi:nil="true"/>
+    <NumericId xmlns="4873beb7-5857-4685-be1f-d57550cc96cc" xsi:nil="true"/>
+    <APEditor xmlns="4873beb7-5857-4685-be1f-d57550cc96cc">
+      <UserInfo>
+        <DisplayName/>
+        <AccountId xsi:nil="true"/>
+        <AccountType/>
+      </UserInfo>
+    </APEditor>
+    <SourceTitle xmlns="4873beb7-5857-4685-be1f-d57550cc96cc" xsi:nil="true"/>
+    <OpenTemplate xmlns="4873beb7-5857-4685-be1f-d57550cc96cc">true</OpenTemplate>
+    <UALocComments xmlns="4873beb7-5857-4685-be1f-d57550cc96cc" xsi:nil="true"/>
+    <ParentAssetId xmlns="4873beb7-5857-4685-be1f-d57550cc96cc" xsi:nil="true"/>
+    <IntlLangReviewDate xmlns="4873beb7-5857-4685-be1f-d57550cc96cc" xsi:nil="true"/>
+    <FeatureTagsTaxHTField0 xmlns="4873beb7-5857-4685-be1f-d57550cc96cc">
+      <Terms xmlns="http://schemas.microsoft.com/office/infopath/2007/PartnerControls"/>
+    </FeatureTagsTaxHTField0>
+    <PublishStatusLookup xmlns="4873beb7-5857-4685-be1f-d57550cc96cc">
+      <Value>1564227</Value>
+    </PublishStatusLookup>
+    <Providers xmlns="4873beb7-5857-4685-be1f-d57550cc96cc" xsi:nil="true"/>
+    <MachineTranslated xmlns="4873beb7-5857-4685-be1f-d57550cc96cc">false</MachineTranslated>
+    <OriginalSourceMarket xmlns="4873beb7-5857-4685-be1f-d57550cc96cc" xsi:nil="true"/>
+    <APDescription xmlns="4873beb7-5857-4685-be1f-d57550cc96cc">Take your audience through a digital tunnel where they'll  burst through to the other side and see the information you want to present. Show them lists, charts, tables, SmartArt,  and pictures using a variety of layouts in widescreen (16X9) format. This design works well for subjects on science and technology, computers, communication, and more.   
+</APDescription>
+    <ClipArtFilename xmlns="4873beb7-5857-4685-be1f-d57550cc96cc" xsi:nil="true"/>
+    <ContentItem xmlns="4873beb7-5857-4685-be1f-d57550cc96cc" xsi:nil="true"/>
+    <TPInstallLocation xmlns="4873beb7-5857-4685-be1f-d57550cc96cc" xsi:nil="true"/>
+    <PublishTargets xmlns="4873beb7-5857-4685-be1f-d57550cc96cc">OfficeOnlineVNext</PublishTargets>
+    <TimesCloned xmlns="4873beb7-5857-4685-be1f-d57550cc96cc" xsi:nil="true"/>
+    <AssetStart xmlns="4873beb7-5857-4685-be1f-d57550cc96cc">2012-05-11T02:04:00+00:00</AssetStart>
+    <Provider xmlns="4873beb7-5857-4685-be1f-d57550cc96cc" xsi:nil="true"/>
+    <AcquiredFrom xmlns="4873beb7-5857-4685-be1f-d57550cc96cc">Internal MS</AcquiredFrom>
+    <FriendlyTitle xmlns="4873beb7-5857-4685-be1f-d57550cc96cc" xsi:nil="true"/>
+    <LastHandOff xmlns="4873beb7-5857-4685-be1f-d57550cc96cc" xsi:nil="true"/>
+    <TPClientViewer xmlns="4873beb7-5857-4685-be1f-d57550cc96cc" xsi:nil="true"/>
+    <UACurrentWords xmlns="4873beb7-5857-4685-be1f-d57550cc96cc" xsi:nil="true"/>
+    <ArtSampleDocs xmlns="4873beb7-5857-4685-be1f-d57550cc96cc" xsi:nil="true"/>
+    <UALocRecommendation xmlns="4873beb7-5857-4685-be1f-d57550cc96cc">Localize</UALocRecommendation>
+    <Manager xmlns="4873beb7-5857-4685-be1f-d57550cc96cc" xsi:nil="true"/>
+    <ShowIn xmlns="4873beb7-5857-4685-be1f-d57550cc96cc">Show everywhere</ShowIn>
+    <UANotes xmlns="4873beb7-5857-4685-be1f-d57550cc96cc" xsi:nil="true"/>
+    <TemplateStatus xmlns="4873beb7-5857-4685-be1f-d57550cc96cc">Complete</TemplateStatus>
+    <InternalTagsTaxHTField0 xmlns="4873beb7-5857-4685-be1f-d57550cc96cc">
+      <Terms xmlns="http://schemas.microsoft.com/office/infopath/2007/PartnerControls"/>
+    </InternalTagsTaxHTField0>
+    <CSXHash xmlns="4873beb7-5857-4685-be1f-d57550cc96cc" xsi:nil="true"/>
+    <Downloads xmlns="4873beb7-5857-4685-be1f-d57550cc96cc">0</Downloads>
+    <VoteCount xmlns="4873beb7-5857-4685-be1f-d57550cc96cc" xsi:nil="true"/>
+    <OOCacheId xmlns="4873beb7-5857-4685-be1f-d57550cc96cc" xsi:nil="true"/>
+    <IsDeleted xmlns="4873beb7-5857-4685-be1f-d57550cc96cc">false</IsDeleted>
+    <AssetExpire xmlns="4873beb7-5857-4685-be1f-d57550cc96cc">2029-01-01T08:00:00+00:00</AssetExpire>
+    <DSATActionTaken xmlns="4873beb7-5857-4685-be1f-d57550cc96cc" xsi:nil="true"/>
+    <CSXSubmissionMarket xmlns="4873beb7-5857-4685-be1f-d57550cc96cc" xsi:nil="true"/>
+    <TPExecutable xmlns="4873beb7-5857-4685-be1f-d57550cc96cc" xsi:nil="true"/>
+    <SubmitterId xmlns="4873beb7-5857-4685-be1f-d57550cc96cc" xsi:nil="true"/>
+    <EditorialTags xmlns="4873beb7-5857-4685-be1f-d57550cc96cc" xsi:nil="true"/>
+    <ApprovalLog xmlns="4873beb7-5857-4685-be1f-d57550cc96cc" xsi:nil="true"/>
+    <AssetType xmlns="4873beb7-5857-4685-be1f-d57550cc96cc">TP</AssetType>
+    <BugNumber xmlns="4873beb7-5857-4685-be1f-d57550cc96cc" xsi:nil="true"/>
+    <CSXSubmissionDate xmlns="4873beb7-5857-4685-be1f-d57550cc96cc" xsi:nil="true"/>
+    <CSXUpdate xmlns="4873beb7-5857-4685-be1f-d57550cc96cc">false</CSXUpdate>
+    <Milestone xmlns="4873beb7-5857-4685-be1f-d57550cc96cc" xsi:nil="true"/>
+    <RecommendationsModifier xmlns="4873beb7-5857-4685-be1f-d57550cc96cc" xsi:nil="true"/>
+    <OriginAsset xmlns="4873beb7-5857-4685-be1f-d57550cc96cc" xsi:nil="true"/>
+    <TPComponent xmlns="4873beb7-5857-4685-be1f-d57550cc96cc" xsi:nil="true"/>
+    <AssetId xmlns="4873beb7-5857-4685-be1f-d57550cc96cc">TP102895246</AssetId>
+    <IntlLocPriority xmlns="4873beb7-5857-4685-be1f-d57550cc96cc" xsi:nil="true"/>
+    <PolicheckWords xmlns="4873beb7-5857-4685-be1f-d57550cc96cc" xsi:nil="true"/>
+    <TPLaunchHelpLink xmlns="4873beb7-5857-4685-be1f-d57550cc96cc" xsi:nil="true"/>
+    <TPApplication xmlns="4873beb7-5857-4685-be1f-d57550cc96cc" xsi:nil="true"/>
+    <CrawlForDependencies xmlns="4873beb7-5857-4685-be1f-d57550cc96cc">false</CrawlForDependencies>
+    <HandoffToMSDN xmlns="4873beb7-5857-4685-be1f-d57550cc96cc" xsi:nil="true"/>
+    <PlannedPubDate xmlns="4873beb7-5857-4685-be1f-d57550cc96cc" xsi:nil="true"/>
+    <IntlLangReviewer xmlns="4873beb7-5857-4685-be1f-d57550cc96cc" xsi:nil="true"/>
+    <TrustLevel xmlns="4873beb7-5857-4685-be1f-d57550cc96cc">1 Microsoft Managed Content</TrustLevel>
+    <LocLastLocAttemptVersionLookup xmlns="4873beb7-5857-4685-be1f-d57550cc96cc">835483</LocLastLocAttemptVersionLookup>
+    <IsSearchable xmlns="4873beb7-5857-4685-be1f-d57550cc96cc">true</IsSearchable>
+    <TemplateTemplateType xmlns="4873beb7-5857-4685-be1f-d57550cc96cc">PowerPoint Presentation Template</TemplateTemplateType>
+    <CampaignTagsTaxHTField0 xmlns="4873beb7-5857-4685-be1f-d57550cc96cc">
+      <Terms xmlns="http://schemas.microsoft.com/office/infopath/2007/PartnerControls"/>
+    </CampaignTagsTaxHTField0>
+    <TPNamespace xmlns="4873beb7-5857-4685-be1f-d57550cc96cc" xsi:nil="true"/>
+    <TaxCatchAll xmlns="4873beb7-5857-4685-be1f-d57550cc96cc"/>
+    <Markets xmlns="4873beb7-5857-4685-be1f-d57550cc96cc"/>
+    <UAProjectedTotalWords xmlns="4873beb7-5857-4685-be1f-d57550cc96cc" xsi:nil="true"/>
+    <IntlLangReview xmlns="4873beb7-5857-4685-be1f-d57550cc96cc">false</IntlLangReview>
+    <OutputCachingOn xmlns="4873beb7-5857-4685-be1f-d57550cc96cc">false</OutputCachingOn>
+    <AverageRating xmlns="4873beb7-5857-4685-be1f-d57550cc96cc" xsi:nil="true"/>
+    <APAuthor xmlns="4873beb7-5857-4685-be1f-d57550cc96cc">
+      <UserInfo>
+        <DisplayName>REDMOND\v-vaddu</DisplayName>
+        <AccountId>2567</AccountId>
+        <AccountType/>
+      </UserInfo>
+    </APAuthor>
+    <LocManualTestRequired xmlns="4873beb7-5857-4685-be1f-d57550cc96cc">false</LocManualTestRequired>
+    <TPCommandLine xmlns="4873beb7-5857-4685-be1f-d57550cc96cc" xsi:nil="true"/>
+    <TPAppVersion xmlns="4873beb7-5857-4685-be1f-d57550cc96cc" xsi:nil="true"/>
+    <EditorialStatus xmlns="4873beb7-5857-4685-be1f-d57550cc96cc">Complete</EditorialStatus>
+    <LastModifiedDateTime xmlns="4873beb7-5857-4685-be1f-d57550cc96cc" xsi:nil="true"/>
+    <ScenarioTagsTaxHTField0 xmlns="4873beb7-5857-4685-be1f-d57550cc96cc">
+      <Terms xmlns="http://schemas.microsoft.com/office/infopath/2007/PartnerControls"/>
+    </ScenarioTagsTaxHTField0>
+    <OriginalRelease xmlns="4873beb7-5857-4685-be1f-d57550cc96cc">15</OriginalRelease>
+    <TPLaunchHelpLinkType xmlns="4873beb7-5857-4685-be1f-d57550cc96cc">Template</TPLaunchHelpLinkType>
+    <LocalizationTagsTaxHTField0 xmlns="4873beb7-5857-4685-be1f-d57550cc96cc">
+      <Terms xmlns="http://schemas.microsoft.com/office/infopath/2007/PartnerControls"/>
+    </LocalizationTagsTaxHTField0>
+    <LocMarketGroupTiers2 xmlns="4873beb7-5857-4685-be1f-d57550cc96cc" xsi:nil="true"/>
+  </documentManagement>
+</p:properties>
+</file>
+
 <file path=customXml/item3.xml><?xml version="1.0" encoding="utf-8"?>
 <?mso-contentType ?>
 <FormTemplates xmlns="http://schemas.microsoft.com/sharepoint/v3/contenttype/forms">
@@ -11643,22 +12038,6 @@
 </file>
 
 <file path=customXml/itemProps1.xml><?xml version="1.0" encoding="utf-8"?>
-<ds:datastoreItem xmlns:ds="http://schemas.openxmlformats.org/officeDocument/2006/customXml" ds:itemID="{00E41224-0370-4595-877C-23316CD80004}">
-  <ds:schemaRefs>
-    <ds:schemaRef ds:uri="http://schemas.microsoft.com/office/2006/metadata/properties"/>
-    <ds:schemaRef ds:uri="http://purl.org/dc/terms/"/>
-    <ds:schemaRef ds:uri="http://schemas.microsoft.com/office/2006/documentManagement/types"/>
-    <ds:schemaRef ds:uri="4873beb7-5857-4685-be1f-d57550cc96cc"/>
-    <ds:schemaRef ds:uri="http://schemas.openxmlformats.org/package/2006/metadata/core-properties"/>
-    <ds:schemaRef ds:uri="http://purl.org/dc/elements/1.1/"/>
-    <ds:schemaRef ds:uri="http://schemas.microsoft.com/office/infopath/2007/PartnerControls"/>
-    <ds:schemaRef ds:uri="http://www.w3.org/XML/1998/namespace"/>
-    <ds:schemaRef ds:uri="http://purl.org/dc/dcmitype/"/>
-  </ds:schemaRefs>
-</ds:datastoreItem>
-</file>
-
-<file path=customXml/itemProps2.xml><?xml version="1.0" encoding="utf-8"?>
 <ds:datastoreItem xmlns:ds="http://schemas.openxmlformats.org/officeDocument/2006/customXml" ds:itemID="{22CCB507-0646-4A50-A4F7-7F385079D589}">
   <ds:schemaRefs>
     <ds:schemaRef ds:uri="http://schemas.microsoft.com/office/2006/metadata/contentType"/>
@@ -11676,6 +12055,22 @@
 </ds:datastoreItem>
 </file>
 
+<file path=customXml/itemProps2.xml><?xml version="1.0" encoding="utf-8"?>
+<ds:datastoreItem xmlns:ds="http://schemas.openxmlformats.org/officeDocument/2006/customXml" ds:itemID="{00E41224-0370-4595-877C-23316CD80004}">
+  <ds:schemaRefs>
+    <ds:schemaRef ds:uri="http://schemas.microsoft.com/office/2006/metadata/properties"/>
+    <ds:schemaRef ds:uri="http://purl.org/dc/terms/"/>
+    <ds:schemaRef ds:uri="http://schemas.microsoft.com/office/2006/documentManagement/types"/>
+    <ds:schemaRef ds:uri="4873beb7-5857-4685-be1f-d57550cc96cc"/>
+    <ds:schemaRef ds:uri="http://schemas.openxmlformats.org/package/2006/metadata/core-properties"/>
+    <ds:schemaRef ds:uri="http://purl.org/dc/elements/1.1/"/>
+    <ds:schemaRef ds:uri="http://schemas.microsoft.com/office/infopath/2007/PartnerControls"/>
+    <ds:schemaRef ds:uri="http://www.w3.org/XML/1998/namespace"/>
+    <ds:schemaRef ds:uri="http://purl.org/dc/dcmitype/"/>
+  </ds:schemaRefs>
+</ds:datastoreItem>
+</file>
+
 <file path=customXml/itemProps3.xml><?xml version="1.0" encoding="utf-8"?>
 <ds:datastoreItem xmlns:ds="http://schemas.openxmlformats.org/officeDocument/2006/customXml" ds:itemID="{74228E6B-D70C-44BB-A81F-A245495F612B}">
   <ds:schemaRefs>
